--- a/sse/postfix/postfix_preso.pptx
+++ b/sse/postfix/postfix_preso.pptx
@@ -5,25 +5,24 @@
     <p:sldMasterId id="2147483648" r:id="rId1"/>
   </p:sldMasterIdLst>
   <p:sldIdLst>
-    <p:sldId id="256" r:id="rId2"/>
-    <p:sldId id="257" r:id="rId3"/>
-    <p:sldId id="258" r:id="rId4"/>
-    <p:sldId id="259" r:id="rId5"/>
-    <p:sldId id="260" r:id="rId6"/>
-    <p:sldId id="261" r:id="rId7"/>
-    <p:sldId id="262" r:id="rId8"/>
-    <p:sldId id="263" r:id="rId9"/>
-    <p:sldId id="264" r:id="rId10"/>
-    <p:sldId id="265" r:id="rId11"/>
-    <p:sldId id="266" r:id="rId12"/>
-    <p:sldId id="267" r:id="rId13"/>
-    <p:sldId id="268" r:id="rId14"/>
-    <p:sldId id="269" r:id="rId15"/>
-    <p:sldId id="270" r:id="rId16"/>
-    <p:sldId id="271" r:id="rId17"/>
-    <p:sldId id="272" r:id="rId18"/>
-    <p:sldId id="273" r:id="rId19"/>
-    <p:sldId id="274" r:id="rId20"/>
+    <p:sldId id="257" r:id="rId2"/>
+    <p:sldId id="258" r:id="rId3"/>
+    <p:sldId id="259" r:id="rId4"/>
+    <p:sldId id="260" r:id="rId5"/>
+    <p:sldId id="261" r:id="rId6"/>
+    <p:sldId id="262" r:id="rId7"/>
+    <p:sldId id="263" r:id="rId8"/>
+    <p:sldId id="264" r:id="rId9"/>
+    <p:sldId id="265" r:id="rId10"/>
+    <p:sldId id="266" r:id="rId11"/>
+    <p:sldId id="267" r:id="rId12"/>
+    <p:sldId id="268" r:id="rId13"/>
+    <p:sldId id="269" r:id="rId14"/>
+    <p:sldId id="270" r:id="rId15"/>
+    <p:sldId id="271" r:id="rId16"/>
+    <p:sldId id="272" r:id="rId17"/>
+    <p:sldId id="273" r:id="rId18"/>
+    <p:sldId id="274" r:id="rId19"/>
   </p:sldIdLst>
   <p:sldSz cx="12192000" cy="6858000"/>
   <p:notesSz cx="6858000" cy="9144000"/>
@@ -122,6 +121,11 @@
       </a:defRPr>
     </a:lvl9pPr>
   </p:defaultTextStyle>
+  <p:extLst>
+    <p:ext uri="{EFAFB233-063F-42B5-8137-9DF3F51BA10A}">
+      <p15:sldGuideLst xmlns:p15="http://schemas.microsoft.com/office/powerpoint/2012/main"/>
+    </p:ext>
+  </p:extLst>
 </p:presentation>
 </file>
 
@@ -256,7 +260,7 @@
           <a:p>
             <a:fld id="{2330926E-6BBF-8F40-92E7-D37C823A4294}" type="datetimeFigureOut">
               <a:rPr lang="en-US" smtClean="0"/>
-              <a:t>5/23/17</a:t>
+              <a:t>5/24/17</a:t>
             </a:fld>
             <a:endParaRPr lang="en-US"/>
           </a:p>
@@ -426,7 +430,7 @@
           <a:p>
             <a:fld id="{2330926E-6BBF-8F40-92E7-D37C823A4294}" type="datetimeFigureOut">
               <a:rPr lang="en-US" smtClean="0"/>
-              <a:t>5/23/17</a:t>
+              <a:t>5/24/17</a:t>
             </a:fld>
             <a:endParaRPr lang="en-US"/>
           </a:p>
@@ -606,7 +610,7 @@
           <a:p>
             <a:fld id="{2330926E-6BBF-8F40-92E7-D37C823A4294}" type="datetimeFigureOut">
               <a:rPr lang="en-US" smtClean="0"/>
-              <a:t>5/23/17</a:t>
+              <a:t>5/24/17</a:t>
             </a:fld>
             <a:endParaRPr lang="en-US"/>
           </a:p>
@@ -776,7 +780,7 @@
           <a:p>
             <a:fld id="{2330926E-6BBF-8F40-92E7-D37C823A4294}" type="datetimeFigureOut">
               <a:rPr lang="en-US" smtClean="0"/>
-              <a:t>5/23/17</a:t>
+              <a:t>5/24/17</a:t>
             </a:fld>
             <a:endParaRPr lang="en-US"/>
           </a:p>
@@ -1022,7 +1026,7 @@
           <a:p>
             <a:fld id="{2330926E-6BBF-8F40-92E7-D37C823A4294}" type="datetimeFigureOut">
               <a:rPr lang="en-US" smtClean="0"/>
-              <a:t>5/23/17</a:t>
+              <a:t>5/24/17</a:t>
             </a:fld>
             <a:endParaRPr lang="en-US"/>
           </a:p>
@@ -1254,7 +1258,7 @@
           <a:p>
             <a:fld id="{2330926E-6BBF-8F40-92E7-D37C823A4294}" type="datetimeFigureOut">
               <a:rPr lang="en-US" smtClean="0"/>
-              <a:t>5/23/17</a:t>
+              <a:t>5/24/17</a:t>
             </a:fld>
             <a:endParaRPr lang="en-US"/>
           </a:p>
@@ -1621,7 +1625,7 @@
           <a:p>
             <a:fld id="{2330926E-6BBF-8F40-92E7-D37C823A4294}" type="datetimeFigureOut">
               <a:rPr lang="en-US" smtClean="0"/>
-              <a:t>5/23/17</a:t>
+              <a:t>5/24/17</a:t>
             </a:fld>
             <a:endParaRPr lang="en-US"/>
           </a:p>
@@ -1739,7 +1743,7 @@
           <a:p>
             <a:fld id="{2330926E-6BBF-8F40-92E7-D37C823A4294}" type="datetimeFigureOut">
               <a:rPr lang="en-US" smtClean="0"/>
-              <a:t>5/23/17</a:t>
+              <a:t>5/24/17</a:t>
             </a:fld>
             <a:endParaRPr lang="en-US"/>
           </a:p>
@@ -1834,7 +1838,7 @@
           <a:p>
             <a:fld id="{2330926E-6BBF-8F40-92E7-D37C823A4294}" type="datetimeFigureOut">
               <a:rPr lang="en-US" smtClean="0"/>
-              <a:t>5/23/17</a:t>
+              <a:t>5/24/17</a:t>
             </a:fld>
             <a:endParaRPr lang="en-US"/>
           </a:p>
@@ -2111,7 +2115,7 @@
           <a:p>
             <a:fld id="{2330926E-6BBF-8F40-92E7-D37C823A4294}" type="datetimeFigureOut">
               <a:rPr lang="en-US" smtClean="0"/>
-              <a:t>5/23/17</a:t>
+              <a:t>5/24/17</a:t>
             </a:fld>
             <a:endParaRPr lang="en-US"/>
           </a:p>
@@ -2364,7 +2368,7 @@
           <a:p>
             <a:fld id="{2330926E-6BBF-8F40-92E7-D37C823A4294}" type="datetimeFigureOut">
               <a:rPr lang="en-US" smtClean="0"/>
-              <a:t>5/23/17</a:t>
+              <a:t>5/24/17</a:t>
             </a:fld>
             <a:endParaRPr lang="en-US"/>
           </a:p>
@@ -2577,7 +2581,7 @@
           <a:p>
             <a:fld id="{2330926E-6BBF-8F40-92E7-D37C823A4294}" type="datetimeFigureOut">
               <a:rPr lang="en-US" smtClean="0"/>
-              <a:t>5/23/17</a:t>
+              <a:t>5/24/17</a:t>
             </a:fld>
             <a:endParaRPr lang="en-US"/>
           </a:p>
@@ -2997,7 +3001,11 @@
           <a:bodyPr/>
           <a:lstStyle/>
           <a:p>
-            <a:endParaRPr lang="en-US"/>
+            <a:r>
+              <a:rPr lang="en-US" b="1" dirty="0" smtClean="0"/>
+              <a:t>Postfix Mail Server</a:t>
+            </a:r>
+            <a:endParaRPr lang="en-US" b="1" dirty="0"/>
           </a:p>
         </p:txBody>
       </p:sp>
@@ -3016,14 +3024,24 @@
           <a:bodyPr/>
           <a:lstStyle/>
           <a:p>
-            <a:endParaRPr lang="en-US"/>
+            <a:r>
+              <a:rPr lang="en-US" dirty="0" smtClean="0"/>
+              <a:t>Kevin Chege</a:t>
+            </a:r>
+          </a:p>
+          <a:p>
+            <a:r>
+              <a:rPr lang="en-US" dirty="0" smtClean="0"/>
+              <a:t>ISOC</a:t>
+            </a:r>
+            <a:endParaRPr lang="en-US" dirty="0"/>
           </a:p>
         </p:txBody>
       </p:sp>
     </p:spTree>
     <p:extLst>
       <p:ext uri="{BB962C8B-B14F-4D97-AF65-F5344CB8AC3E}">
-        <p14:creationId xmlns:p14="http://schemas.microsoft.com/office/powerpoint/2010/main" val="93193371"/>
+        <p14:creationId xmlns:p14="http://schemas.microsoft.com/office/powerpoint/2010/main" val="1913290876"/>
       </p:ext>
     </p:extLst>
   </p:cSld>
@@ -3074,7 +3092,7 @@
           <a:p>
             <a:r>
               <a:rPr lang="en-US" b="1" dirty="0" smtClean="0"/>
-              <a:t>Relaying Mail – From</a:t>
+              <a:t>Relaying mail - to</a:t>
             </a:r>
             <a:endParaRPr lang="en-US" b="1" dirty="0"/>
           </a:p>
@@ -3093,93 +3111,57 @@
         <p:spPr/>
         <p:txBody>
           <a:bodyPr>
-            <a:normAutofit fontScale="85000" lnSpcReduction="10000"/>
+            <a:normAutofit/>
           </a:bodyPr>
           <a:lstStyle/>
           <a:p>
             <a:r>
               <a:rPr lang="en-US" dirty="0" smtClean="0"/>
-              <a:t>Postfix will forward mail from clients in authorized network blocks to any destination</a:t>
-            </a:r>
-          </a:p>
-          <a:p>
-            <a:r>
-              <a:rPr lang="en-US" dirty="0" smtClean="0"/>
-              <a:t>Authorized networks are defined with the </a:t>
+              <a:t>By default, Postfix will forward mail from strangers (clients outside authorized networks) to authorized remote destinations only. </a:t>
+            </a:r>
+          </a:p>
+          <a:p>
+            <a:r>
+              <a:rPr lang="en-US" dirty="0" smtClean="0"/>
+              <a:t>Authorized remote destinations are defined with the </a:t>
             </a:r>
             <a:r>
               <a:rPr lang="en-US" dirty="0" smtClean="0">
                 <a:hlinkClick r:id="rId2"/>
               </a:rPr>
-              <a:t>mynetworks</a:t>
-            </a:r>
-            <a:r>
-              <a:rPr lang="en-US" dirty="0" smtClean="0"/>
-              <a:t> configuration parameter</a:t>
-            </a:r>
-          </a:p>
-          <a:p>
-            <a:r>
-              <a:rPr lang="en-US" dirty="0" smtClean="0"/>
-              <a:t>The default is to authorize all clients in the IP </a:t>
-            </a:r>
-            <a:r>
-              <a:rPr lang="en-US" dirty="0" err="1" smtClean="0"/>
-              <a:t>subnetworks</a:t>
-            </a:r>
-            <a:r>
-              <a:rPr lang="en-US" dirty="0" smtClean="0"/>
-              <a:t> that the local machine is attached to.</a:t>
-            </a:r>
-          </a:p>
-          <a:p>
-            <a:r>
-              <a:rPr lang="en-US" dirty="0" smtClean="0"/>
-              <a:t>By default, Postfix will NOT be an open relay </a:t>
-            </a:r>
-            <a:r>
-              <a:rPr lang="en-US" dirty="0" err="1" smtClean="0"/>
-              <a:t>ie</a:t>
-            </a:r>
-            <a:r>
-              <a:rPr lang="en-US" dirty="0" smtClean="0"/>
-              <a:t> it will not forward from IPs outside your network to the Internet</a:t>
-            </a:r>
-          </a:p>
-          <a:p>
-            <a:pPr lvl="1"/>
+              <a:t>relay_domains</a:t>
+            </a:r>
+            <a:r>
+              <a:rPr lang="en-US" dirty="0" smtClean="0"/>
+              <a:t> configuration parameter. </a:t>
+            </a:r>
+          </a:p>
+          <a:p>
+            <a:r>
+              <a:rPr lang="en-US" dirty="0" smtClean="0"/>
+              <a:t>The default is to authorize all domains (and subdomains) of the domains listed with the </a:t>
+            </a:r>
             <a:r>
               <a:rPr lang="en-US" dirty="0" smtClean="0">
                 <a:hlinkClick r:id="rId3"/>
               </a:rPr>
-              <a:t>mynetworks_style</a:t>
-            </a:r>
-            <a:r>
-              <a:rPr lang="en-US" dirty="0" smtClean="0"/>
-              <a:t> = subnet </a:t>
-            </a:r>
-          </a:p>
-          <a:p>
-            <a:pPr lvl="1"/>
-            <a:r>
-              <a:rPr lang="en-US" dirty="0" smtClean="0">
-                <a:hlinkClick r:id="rId2"/>
-              </a:rPr>
-              <a:t>mynetworks</a:t>
-            </a:r>
-            <a:r>
-              <a:rPr lang="en-US" dirty="0" smtClean="0"/>
-              <a:t> = 127.0.0.0/8 168.100.189.2/32</a:t>
-            </a:r>
-          </a:p>
-          <a:p>
-            <a:pPr lvl="1"/>
-            <a:endParaRPr lang="en-US" dirty="0" smtClean="0"/>
-          </a:p>
-          <a:p>
-            <a:endParaRPr lang="en-US" dirty="0" smtClean="0"/>
-          </a:p>
-          <a:p>
+              <a:t>mydestination</a:t>
+            </a:r>
+            <a:r>
+              <a:rPr lang="en-US" dirty="0" smtClean="0"/>
+              <a:t> parameter. </a:t>
+            </a:r>
+          </a:p>
+          <a:p>
+            <a:r>
+              <a:rPr lang="en-US" dirty="0" smtClean="0"/>
+              <a:t>This means that by default, your Postfix mail server will accept mail from anyone to recipients to the local Postfix server</a:t>
+            </a:r>
+          </a:p>
+          <a:p>
+            <a:pPr marL="0" indent="0">
+              <a:buNone/>
+            </a:pPr>
             <a:endParaRPr lang="en-US" dirty="0"/>
           </a:p>
         </p:txBody>
@@ -3187,7 +3169,7 @@
     </p:spTree>
     <p:extLst>
       <p:ext uri="{BB962C8B-B14F-4D97-AF65-F5344CB8AC3E}">
-        <p14:creationId xmlns:p14="http://schemas.microsoft.com/office/powerpoint/2010/main" val="830610643"/>
+        <p14:creationId xmlns:p14="http://schemas.microsoft.com/office/powerpoint/2010/main" val="1429371401"/>
       </p:ext>
     </p:extLst>
   </p:cSld>
@@ -3238,7 +3220,7 @@
           <a:p>
             <a:r>
               <a:rPr lang="en-US" b="1" dirty="0" smtClean="0"/>
-              <a:t>Relaying mail - to</a:t>
+              <a:t>Outbound emails</a:t>
             </a:r>
             <a:endParaRPr lang="en-US" b="1" dirty="0"/>
           </a:p>
@@ -3257,57 +3239,70 @@
         <p:spPr/>
         <p:txBody>
           <a:bodyPr>
-            <a:normAutofit/>
+            <a:normAutofit fontScale="92500" lnSpcReduction="20000"/>
           </a:bodyPr>
           <a:lstStyle/>
           <a:p>
             <a:r>
               <a:rPr lang="en-US" dirty="0" smtClean="0"/>
-              <a:t>By default, Postfix will forward mail from strangers (clients outside authorized networks) to authorized remote destinations only. </a:t>
-            </a:r>
-          </a:p>
-          <a:p>
-            <a:r>
-              <a:rPr lang="en-US" dirty="0" smtClean="0"/>
-              <a:t>Authorized remote destinations are defined with the </a:t>
+              <a:t>By default, Postfix tries to deliver mail directly to the Internet. </a:t>
+            </a:r>
+          </a:p>
+          <a:p>
+            <a:r>
+              <a:rPr lang="en-US" dirty="0" smtClean="0"/>
+              <a:t>Depending on your local conditions this may not be possible or desirable</a:t>
+            </a:r>
+          </a:p>
+          <a:p>
+            <a:r>
+              <a:rPr lang="en-US" dirty="0" smtClean="0"/>
+              <a:t>For example, your system may be behind a firewall, or it may be connected via a provider who does not allow direct mail to the Internet.</a:t>
+            </a:r>
+          </a:p>
+          <a:p>
+            <a:r>
+              <a:rPr lang="en-US" dirty="0" smtClean="0"/>
+              <a:t>In those cases you need to configure Postfix to deliver mail indirectly via a </a:t>
             </a:r>
             <a:r>
               <a:rPr lang="en-US" dirty="0" smtClean="0">
                 <a:hlinkClick r:id="rId2"/>
               </a:rPr>
-              <a:t>relay_domains</a:t>
-            </a:r>
-            <a:r>
-              <a:rPr lang="en-US" dirty="0" smtClean="0"/>
-              <a:t> configuration parameter. </a:t>
-            </a:r>
-          </a:p>
-          <a:p>
-            <a:r>
-              <a:rPr lang="en-US" dirty="0" smtClean="0"/>
-              <a:t>The default is to authorize all domains (and subdomains) of the domains listed with the </a:t>
-            </a:r>
+              <a:t>relay host</a:t>
+            </a:r>
+            <a:r>
+              <a:rPr lang="en-US" dirty="0" smtClean="0"/>
+              <a:t>. </a:t>
+            </a:r>
+          </a:p>
+          <a:p>
+            <a:pPr lvl="1"/>
             <a:r>
               <a:rPr lang="en-US" dirty="0" smtClean="0">
-                <a:hlinkClick r:id="rId3"/>
+                <a:hlinkClick r:id="rId2"/>
               </a:rPr>
-              <a:t>mydestination</a:t>
-            </a:r>
-            <a:r>
-              <a:rPr lang="en-US" dirty="0" smtClean="0"/>
-              <a:t> parameter. </a:t>
-            </a:r>
-          </a:p>
-          <a:p>
-            <a:r>
-              <a:rPr lang="en-US" dirty="0" smtClean="0"/>
-              <a:t>This means that by default, your Postfix mail server will accept mail from anyone to recipients to the local Postfix server</a:t>
-            </a:r>
-          </a:p>
-          <a:p>
-            <a:pPr marL="0" indent="0">
-              <a:buNone/>
-            </a:pPr>
+              <a:t>relayhost</a:t>
+            </a:r>
+            <a:r>
+              <a:rPr lang="en-US" dirty="0" smtClean="0"/>
+              <a:t> = [</a:t>
+            </a:r>
+            <a:r>
+              <a:rPr lang="en-US" dirty="0" err="1" smtClean="0"/>
+              <a:t>mail.isp.tld</a:t>
+            </a:r>
+            <a:r>
+              <a:rPr lang="en-US" dirty="0" smtClean="0"/>
+              <a:t>]</a:t>
+            </a:r>
+          </a:p>
+          <a:p>
+            <a:pPr lvl="1"/>
+            <a:r>
+              <a:rPr lang="en-US" dirty="0" smtClean="0"/>
+              <a:t>Note that the [] disables MX lookups so is necessary</a:t>
+            </a:r>
             <a:endParaRPr lang="en-US" dirty="0"/>
           </a:p>
         </p:txBody>
@@ -3315,7 +3310,7 @@
     </p:spTree>
     <p:extLst>
       <p:ext uri="{BB962C8B-B14F-4D97-AF65-F5344CB8AC3E}">
-        <p14:creationId xmlns:p14="http://schemas.microsoft.com/office/powerpoint/2010/main" val="1429371401"/>
+        <p14:creationId xmlns:p14="http://schemas.microsoft.com/office/powerpoint/2010/main" val="1693061265"/>
       </p:ext>
     </p:extLst>
   </p:cSld>
@@ -3366,7 +3361,7 @@
           <a:p>
             <a:r>
               <a:rPr lang="en-US" b="1" dirty="0" smtClean="0"/>
-              <a:t>Outbound emails</a:t>
+              <a:t>Reporting problems</a:t>
             </a:r>
             <a:endParaRPr lang="en-US" b="1" dirty="0"/>
           </a:p>
@@ -3385,70 +3380,106 @@
         <p:spPr/>
         <p:txBody>
           <a:bodyPr>
-            <a:normAutofit fontScale="92500" lnSpcReduction="20000"/>
+            <a:normAutofit fontScale="85000" lnSpcReduction="10000"/>
           </a:bodyPr>
           <a:lstStyle/>
           <a:p>
             <a:r>
               <a:rPr lang="en-US" dirty="0" smtClean="0"/>
-              <a:t>By default, Postfix tries to deliver mail directly to the Internet. </a:t>
-            </a:r>
-          </a:p>
-          <a:p>
-            <a:r>
-              <a:rPr lang="en-US" dirty="0" smtClean="0"/>
-              <a:t>Depending on your local conditions this may not be possible or desirable</a:t>
-            </a:r>
-          </a:p>
-          <a:p>
-            <a:r>
-              <a:rPr lang="en-US" dirty="0" smtClean="0"/>
-              <a:t>For example, your system may be behind a firewall, or it may be connected via a provider who does not allow direct mail to the Internet.</a:t>
-            </a:r>
-          </a:p>
-          <a:p>
-            <a:r>
-              <a:rPr lang="en-US" dirty="0" smtClean="0"/>
-              <a:t>In those cases you need to configure Postfix to deliver mail indirectly via a </a:t>
+              <a:t>You should set up a postmaster alias in the aliases table that directs mail to a real person</a:t>
+            </a:r>
+          </a:p>
+          <a:p>
+            <a:r>
+              <a:rPr lang="en-US" dirty="0" smtClean="0"/>
+              <a:t>The postmaster address is required to exist, so that people can report mail delivery problems.</a:t>
+            </a:r>
+          </a:p>
+          <a:p>
+            <a:r>
+              <a:rPr lang="en-US" dirty="0" smtClean="0"/>
+              <a:t>While you're updating the </a:t>
             </a:r>
             <a:r>
               <a:rPr lang="en-US" dirty="0" smtClean="0">
                 <a:hlinkClick r:id="rId2"/>
               </a:rPr>
-              <a:t>relay host</a:t>
-            </a:r>
-            <a:r>
-              <a:rPr lang="en-US" dirty="0" smtClean="0"/>
-              <a:t>. </a:t>
-            </a:r>
-          </a:p>
-          <a:p>
-            <a:pPr lvl="1"/>
-            <a:r>
-              <a:rPr lang="en-US" dirty="0" smtClean="0">
-                <a:hlinkClick r:id="rId2"/>
-              </a:rPr>
-              <a:t>relayhost</a:t>
-            </a:r>
-            <a:r>
-              <a:rPr lang="en-US" dirty="0" smtClean="0"/>
-              <a:t> = [</a:t>
+              <a:t>aliases(5)</a:t>
+            </a:r>
+            <a:r>
+              <a:rPr lang="en-US" dirty="0" smtClean="0"/>
+              <a:t> table, be sure to direct mail for the super-user to a human person too. </a:t>
+            </a:r>
+            <a:br>
+              <a:rPr lang="en-US" dirty="0" smtClean="0"/>
+            </a:br>
+            <a:r>
+              <a:rPr lang="en-US" dirty="0" smtClean="0"/>
+              <a:t>	/</a:t>
             </a:r>
             <a:r>
               <a:rPr lang="en-US" dirty="0" err="1" smtClean="0"/>
-              <a:t>mail.isp.tld</a:t>
-            </a:r>
-            <a:r>
-              <a:rPr lang="en-US" dirty="0" smtClean="0"/>
-              <a:t>]</a:t>
-            </a:r>
-          </a:p>
-          <a:p>
-            <a:pPr lvl="1"/>
-            <a:r>
-              <a:rPr lang="en-US" dirty="0" smtClean="0"/>
-              <a:t>Note that the [] disables MX lookups so is necessary</a:t>
-            </a:r>
+              <a:t>etc</a:t>
+            </a:r>
+            <a:r>
+              <a:rPr lang="en-US" dirty="0" smtClean="0"/>
+              <a:t>/aliases: </a:t>
+            </a:r>
+            <a:br>
+              <a:rPr lang="en-US" dirty="0" smtClean="0"/>
+            </a:br>
+            <a:r>
+              <a:rPr lang="en-US" dirty="0" smtClean="0"/>
+              <a:t>postmaster: </a:t>
+            </a:r>
+            <a:r>
+              <a:rPr lang="en-US" dirty="0" err="1" smtClean="0"/>
+              <a:t>afnog</a:t>
+            </a:r>
+            <a:r>
+              <a:rPr lang="en-US" dirty="0" smtClean="0"/>
+              <a:t> </a:t>
+            </a:r>
+            <a:br>
+              <a:rPr lang="en-US" dirty="0" smtClean="0"/>
+            </a:br>
+            <a:r>
+              <a:rPr lang="en-US" dirty="0" smtClean="0"/>
+              <a:t>root: </a:t>
+            </a:r>
+            <a:r>
+              <a:rPr lang="en-US" dirty="0" err="1" smtClean="0"/>
+              <a:t>afnog</a:t>
+            </a:r>
+            <a:endParaRPr lang="en-US" dirty="0" smtClean="0"/>
+          </a:p>
+          <a:p>
+            <a:r>
+              <a:rPr lang="en-US" dirty="0" smtClean="0"/>
+              <a:t>After editing the aliases file, run the command </a:t>
+            </a:r>
+            <a:r>
+              <a:rPr lang="en-US" i="1" dirty="0" smtClean="0"/>
+              <a:t>$</a:t>
+            </a:r>
+            <a:r>
+              <a:rPr lang="en-US" i="1" dirty="0" err="1" smtClean="0"/>
+              <a:t>sudo</a:t>
+            </a:r>
+            <a:r>
+              <a:rPr lang="en-US" i="1" dirty="0" smtClean="0"/>
+              <a:t> </a:t>
+            </a:r>
+            <a:r>
+              <a:rPr lang="en-US" i="1" dirty="0" err="1" smtClean="0"/>
+              <a:t>newaliases</a:t>
+            </a:r>
+            <a:endParaRPr lang="en-US" dirty="0" smtClean="0"/>
+          </a:p>
+          <a:p>
+            <a:pPr marL="457200" lvl="1" indent="0">
+              <a:buNone/>
+            </a:pPr>
             <a:endParaRPr lang="en-US" dirty="0"/>
           </a:p>
         </p:txBody>
@@ -3456,7 +3487,7 @@
     </p:spTree>
     <p:extLst>
       <p:ext uri="{BB962C8B-B14F-4D97-AF65-F5344CB8AC3E}">
-        <p14:creationId xmlns:p14="http://schemas.microsoft.com/office/powerpoint/2010/main" val="1693061265"/>
+        <p14:creationId xmlns:p14="http://schemas.microsoft.com/office/powerpoint/2010/main" val="1122358105"/>
       </p:ext>
     </p:extLst>
   </p:cSld>
@@ -3500,14 +3531,21 @@
             <p:ph type="title"/>
           </p:nvPr>
         </p:nvSpPr>
-        <p:spPr/>
-        <p:txBody>
-          <a:bodyPr/>
+        <p:spPr>
+          <a:xfrm>
+            <a:off x="1981200" y="274639"/>
+            <a:ext cx="8229600" cy="619117"/>
+          </a:xfrm>
+        </p:spPr>
+        <p:txBody>
+          <a:bodyPr>
+            <a:normAutofit fontScale="90000"/>
+          </a:bodyPr>
           <a:lstStyle/>
           <a:p>
             <a:r>
               <a:rPr lang="en-US" b="1" dirty="0" smtClean="0"/>
-              <a:t>Reporting problems</a:t>
+              <a:t>Default reports</a:t>
             </a:r>
             <a:endParaRPr lang="en-US" b="1" dirty="0"/>
           </a:p>
@@ -3523,109 +3561,111 @@
             <p:ph idx="1"/>
           </p:nvPr>
         </p:nvSpPr>
-        <p:spPr/>
+        <p:spPr>
+          <a:xfrm>
+            <a:off x="1868910" y="893756"/>
+            <a:ext cx="8654073" cy="5801565"/>
+          </a:xfrm>
+        </p:spPr>
         <p:txBody>
           <a:bodyPr>
-            <a:normAutofit fontScale="85000" lnSpcReduction="10000"/>
+            <a:normAutofit fontScale="62500" lnSpcReduction="20000"/>
           </a:bodyPr>
           <a:lstStyle/>
           <a:p>
             <a:r>
-              <a:rPr lang="en-US" dirty="0" smtClean="0"/>
-              <a:t>You should set up a postmaster alias in the aliases table that directs mail to a real person</a:t>
-            </a:r>
-          </a:p>
-          <a:p>
-            <a:r>
-              <a:rPr lang="en-US" dirty="0" smtClean="0"/>
-              <a:t>The postmaster address is required to exist, so that people can report mail delivery problems.</a:t>
-            </a:r>
-          </a:p>
-          <a:p>
-            <a:r>
-              <a:rPr lang="en-US" dirty="0" smtClean="0"/>
-              <a:t>While you're updating the </a:t>
-            </a:r>
-            <a:r>
-              <a:rPr lang="en-US" dirty="0" smtClean="0">
-                <a:hlinkClick r:id="rId2"/>
-              </a:rPr>
-              <a:t>aliases(5)</a:t>
-            </a:r>
-            <a:r>
-              <a:rPr lang="en-US" dirty="0" smtClean="0"/>
-              <a:t> table, be sure to direct mail for the super-user to a human person too. </a:t>
-            </a:r>
-            <a:br>
-              <a:rPr lang="en-US" dirty="0" smtClean="0"/>
-            </a:br>
-            <a:r>
-              <a:rPr lang="en-US" dirty="0" smtClean="0"/>
-              <a:t>	/</a:t>
-            </a:r>
-            <a:r>
-              <a:rPr lang="en-US" dirty="0" err="1" smtClean="0"/>
-              <a:t>etc</a:t>
-            </a:r>
-            <a:r>
-              <a:rPr lang="en-US" dirty="0" smtClean="0"/>
-              <a:t>/aliases: </a:t>
-            </a:r>
-            <a:br>
-              <a:rPr lang="en-US" dirty="0" smtClean="0"/>
-            </a:br>
-            <a:r>
-              <a:rPr lang="en-US" dirty="0" smtClean="0"/>
-              <a:t>postmaster: </a:t>
-            </a:r>
-            <a:r>
-              <a:rPr lang="en-US" dirty="0" err="1" smtClean="0"/>
-              <a:t>afnog</a:t>
-            </a:r>
-            <a:r>
-              <a:rPr lang="en-US" dirty="0" smtClean="0"/>
-              <a:t> </a:t>
-            </a:r>
-            <a:br>
-              <a:rPr lang="en-US" dirty="0" smtClean="0"/>
-            </a:br>
-            <a:r>
-              <a:rPr lang="en-US" dirty="0" smtClean="0"/>
-              <a:t>root: </a:t>
-            </a:r>
-            <a:r>
-              <a:rPr lang="en-US" dirty="0" err="1" smtClean="0"/>
-              <a:t>afnog</a:t>
-            </a:r>
-            <a:endParaRPr lang="en-US" dirty="0" smtClean="0"/>
-          </a:p>
-          <a:p>
-            <a:r>
-              <a:rPr lang="en-US" dirty="0" smtClean="0"/>
-              <a:t>After editing the aliases file, run the command </a:t>
-            </a:r>
-            <a:r>
-              <a:rPr lang="en-US" i="1" dirty="0" smtClean="0"/>
-              <a:t>$</a:t>
-            </a:r>
-            <a:r>
-              <a:rPr lang="en-US" i="1" dirty="0" err="1" smtClean="0"/>
-              <a:t>sudo</a:t>
-            </a:r>
-            <a:r>
-              <a:rPr lang="en-US" i="1" dirty="0" smtClean="0"/>
-              <a:t> </a:t>
-            </a:r>
-            <a:r>
-              <a:rPr lang="en-US" i="1" dirty="0" err="1" smtClean="0"/>
-              <a:t>newaliases</a:t>
-            </a:r>
-            <a:endParaRPr lang="en-US" dirty="0" smtClean="0"/>
-          </a:p>
-          <a:p>
-            <a:pPr marL="457200" lvl="1" indent="0">
-              <a:buNone/>
-            </a:pPr>
+              <a:rPr lang="en-US" dirty="0"/>
+              <a:t>b</a:t>
+            </a:r>
+            <a:r>
+              <a:rPr lang="en-US" dirty="0" smtClean="0"/>
+              <a:t>ounce</a:t>
+            </a:r>
+          </a:p>
+          <a:p>
+            <a:pPr lvl="1"/>
+            <a:r>
+              <a:rPr lang="en-US" dirty="0" smtClean="0"/>
+              <a:t> Inform the postmaster of undeliverable mail. Either send the postmaster a copy of undeliverable mail that is returned to the sender, or send a transcript of the SMTP </a:t>
+            </a:r>
+          </a:p>
+          <a:p>
+            <a:r>
+              <a:rPr lang="en-US" dirty="0" smtClean="0"/>
+              <a:t>2bounce </a:t>
+            </a:r>
+          </a:p>
+          <a:p>
+            <a:pPr lvl="1"/>
+            <a:r>
+              <a:rPr lang="en-US" dirty="0" smtClean="0"/>
+              <a:t>When Postfix is unable to return undeliverable mail to the sender, </a:t>
+            </a:r>
+          </a:p>
+          <a:p>
+            <a:r>
+              <a:rPr lang="en-US" dirty="0" smtClean="0"/>
+              <a:t>delay </a:t>
+            </a:r>
+          </a:p>
+          <a:p>
+            <a:pPr lvl="1"/>
+            <a:r>
+              <a:rPr lang="en-US" dirty="0" smtClean="0"/>
+              <a:t>Inform the postmaster of delayed mail. In this case, the postmaster receives message headers only. </a:t>
+            </a:r>
+          </a:p>
+          <a:p>
+            <a:r>
+              <a:rPr lang="en-US" dirty="0" smtClean="0"/>
+              <a:t>policy </a:t>
+            </a:r>
+          </a:p>
+          <a:p>
+            <a:pPr lvl="1"/>
+            <a:r>
+              <a:rPr lang="en-US" dirty="0" smtClean="0"/>
+              <a:t>Inform the postmaster of client requests that were rejected because of (UCE) policy restrictions. The postmaster receives a transcript of the SMTP session.</a:t>
+            </a:r>
+          </a:p>
+          <a:p>
+            <a:r>
+              <a:rPr lang="en-US" dirty="0" smtClean="0"/>
+              <a:t>protocol </a:t>
+            </a:r>
+          </a:p>
+          <a:p>
+            <a:pPr lvl="1"/>
+            <a:r>
+              <a:rPr lang="en-US" dirty="0" smtClean="0"/>
+              <a:t>Inform the postmaster of protocol errors (client or server side) or attempts by a client to execute unimplemented commands. </a:t>
+            </a:r>
+          </a:p>
+          <a:p>
+            <a:r>
+              <a:rPr lang="en-US" dirty="0" smtClean="0"/>
+              <a:t>resource </a:t>
+            </a:r>
+          </a:p>
+          <a:p>
+            <a:pPr lvl="1"/>
+            <a:r>
+              <a:rPr lang="en-US" dirty="0" smtClean="0"/>
+              <a:t>Inform the postmaster of mail not delivered due to resource problems (for example, queue file write errors)</a:t>
+            </a:r>
+          </a:p>
+          <a:p>
+            <a:r>
+              <a:rPr lang="en-US" dirty="0" smtClean="0"/>
+              <a:t>software </a:t>
+            </a:r>
+          </a:p>
+          <a:p>
+            <a:pPr lvl="1"/>
+            <a:r>
+              <a:rPr lang="en-US" dirty="0" smtClean="0"/>
+              <a:t>Inform the postmaster of mail not delivered due to software problems. </a:t>
+            </a:r>
             <a:endParaRPr lang="en-US" dirty="0"/>
           </a:p>
         </p:txBody>
@@ -3633,7 +3673,7 @@
     </p:spTree>
     <p:extLst>
       <p:ext uri="{BB962C8B-B14F-4D97-AF65-F5344CB8AC3E}">
-        <p14:creationId xmlns:p14="http://schemas.microsoft.com/office/powerpoint/2010/main" val="1122358105"/>
+        <p14:creationId xmlns:p14="http://schemas.microsoft.com/office/powerpoint/2010/main" val="2123799134"/>
       </p:ext>
     </p:extLst>
   </p:cSld>
@@ -3677,140 +3717,88 @@
             <p:ph type="title"/>
           </p:nvPr>
         </p:nvSpPr>
+        <p:spPr/>
+        <p:txBody>
+          <a:bodyPr/>
+          <a:lstStyle/>
+          <a:p>
+            <a:r>
+              <a:rPr lang="en-US" b="1" dirty="0" smtClean="0"/>
+              <a:t>Logging</a:t>
+            </a:r>
+            <a:endParaRPr lang="en-US" b="1" dirty="0"/>
+          </a:p>
+        </p:txBody>
+      </p:sp>
+      <p:sp>
+        <p:nvSpPr>
+          <p:cNvPr id="3" name="Content Placeholder 2"/>
+          <p:cNvSpPr>
+            <a:spLocks noGrp="1"/>
+          </p:cNvSpPr>
+          <p:nvPr>
+            <p:ph idx="1"/>
+          </p:nvPr>
+        </p:nvSpPr>
         <p:spPr>
           <a:xfrm>
-            <a:off x="1981200" y="274639"/>
-            <a:ext cx="8229600" cy="619117"/>
+            <a:off x="1981200" y="1312334"/>
+            <a:ext cx="8229600" cy="4813830"/>
           </a:xfrm>
         </p:spPr>
         <p:txBody>
-          <a:bodyPr>
-            <a:normAutofit fontScale="90000"/>
-          </a:bodyPr>
-          <a:lstStyle/>
-          <a:p>
-            <a:r>
-              <a:rPr lang="en-US" b="1" dirty="0" smtClean="0"/>
-              <a:t>Default reports</a:t>
-            </a:r>
-            <a:endParaRPr lang="en-US" b="1" dirty="0"/>
-          </a:p>
-        </p:txBody>
-      </p:sp>
-      <p:sp>
-        <p:nvSpPr>
-          <p:cNvPr id="3" name="Content Placeholder 2"/>
-          <p:cNvSpPr>
-            <a:spLocks noGrp="1"/>
-          </p:cNvSpPr>
-          <p:nvPr>
-            <p:ph idx="1"/>
-          </p:nvPr>
-        </p:nvSpPr>
-        <p:spPr>
-          <a:xfrm>
-            <a:off x="1868910" y="893756"/>
-            <a:ext cx="8654073" cy="5801565"/>
-          </a:xfrm>
-        </p:spPr>
-        <p:txBody>
-          <a:bodyPr>
-            <a:normAutofit fontScale="62500" lnSpcReduction="20000"/>
-          </a:bodyPr>
-          <a:lstStyle/>
-          <a:p>
-            <a:r>
-              <a:rPr lang="en-US" dirty="0"/>
-              <a:t>b</a:t>
-            </a:r>
-            <a:r>
-              <a:rPr lang="en-US" dirty="0" smtClean="0"/>
-              <a:t>ounce</a:t>
-            </a:r>
-          </a:p>
-          <a:p>
-            <a:pPr lvl="1"/>
-            <a:r>
-              <a:rPr lang="en-US" dirty="0" smtClean="0"/>
-              <a:t> Inform the postmaster of undeliverable mail. Either send the postmaster a copy of undeliverable mail that is returned to the sender, or send a transcript of the SMTP </a:t>
-            </a:r>
-          </a:p>
-          <a:p>
-            <a:r>
-              <a:rPr lang="en-US" dirty="0" smtClean="0"/>
-              <a:t>2bounce </a:t>
-            </a:r>
-          </a:p>
-          <a:p>
-            <a:pPr lvl="1"/>
-            <a:r>
-              <a:rPr lang="en-US" dirty="0" smtClean="0"/>
-              <a:t>When Postfix is unable to return undeliverable mail to the sender, </a:t>
-            </a:r>
-          </a:p>
-          <a:p>
-            <a:r>
-              <a:rPr lang="en-US" dirty="0" smtClean="0"/>
-              <a:t>delay </a:t>
-            </a:r>
-          </a:p>
-          <a:p>
-            <a:pPr lvl="1"/>
-            <a:r>
-              <a:rPr lang="en-US" dirty="0" smtClean="0"/>
-              <a:t>Inform the postmaster of delayed mail. In this case, the postmaster receives message headers only. </a:t>
-            </a:r>
-          </a:p>
-          <a:p>
-            <a:r>
-              <a:rPr lang="en-US" dirty="0" smtClean="0"/>
-              <a:t>policy </a:t>
-            </a:r>
-          </a:p>
-          <a:p>
-            <a:pPr lvl="1"/>
-            <a:r>
-              <a:rPr lang="en-US" dirty="0" smtClean="0"/>
-              <a:t>Inform the postmaster of client requests that were rejected because of (UCE) policy restrictions. The postmaster receives a transcript of the SMTP session.</a:t>
-            </a:r>
-          </a:p>
-          <a:p>
-            <a:r>
-              <a:rPr lang="en-US" dirty="0" smtClean="0"/>
-              <a:t>protocol </a:t>
-            </a:r>
-          </a:p>
-          <a:p>
-            <a:pPr lvl="1"/>
-            <a:r>
-              <a:rPr lang="en-US" dirty="0" smtClean="0"/>
-              <a:t>Inform the postmaster of protocol errors (client or server side) or attempts by a client to execute unimplemented commands. </a:t>
-            </a:r>
-          </a:p>
-          <a:p>
-            <a:r>
-              <a:rPr lang="en-US" dirty="0" smtClean="0"/>
-              <a:t>resource </a:t>
-            </a:r>
-          </a:p>
-          <a:p>
-            <a:pPr lvl="1"/>
-            <a:r>
-              <a:rPr lang="en-US" dirty="0" smtClean="0"/>
-              <a:t>Inform the postmaster of mail not delivered due to resource problems (for example, queue file write errors)</a:t>
-            </a:r>
-          </a:p>
-          <a:p>
-            <a:r>
-              <a:rPr lang="en-US" dirty="0" smtClean="0"/>
-              <a:t>software </a:t>
-            </a:r>
-          </a:p>
-          <a:p>
-            <a:pPr lvl="1"/>
-            <a:r>
-              <a:rPr lang="en-US" dirty="0" smtClean="0"/>
-              <a:t>Inform the postmaster of mail not delivered due to software problems. </a:t>
+          <a:bodyPr/>
+          <a:lstStyle/>
+          <a:p>
+            <a:r>
+              <a:rPr lang="en-US" dirty="0" smtClean="0"/>
+              <a:t>Postfix will log all messages to</a:t>
+            </a:r>
+            <a:br>
+              <a:rPr lang="en-US" dirty="0" smtClean="0"/>
+            </a:br>
+            <a:r>
+              <a:rPr lang="en-US" b="1" i="1" dirty="0" smtClean="0"/>
+              <a:t>/</a:t>
+            </a:r>
+            <a:r>
+              <a:rPr lang="en-US" b="1" i="1" dirty="0" err="1" smtClean="0"/>
+              <a:t>var</a:t>
+            </a:r>
+            <a:r>
+              <a:rPr lang="en-US" b="1" i="1" dirty="0" smtClean="0"/>
+              <a:t>/log/</a:t>
+            </a:r>
+            <a:r>
+              <a:rPr lang="en-US" b="1" i="1" dirty="0" err="1" smtClean="0"/>
+              <a:t>mail.log</a:t>
+            </a:r>
+            <a:endParaRPr lang="en-US" b="1" i="1" dirty="0" smtClean="0"/>
+          </a:p>
+          <a:p>
+            <a:r>
+              <a:rPr lang="en-US" dirty="0" smtClean="0"/>
+              <a:t>Done using the </a:t>
+            </a:r>
+            <a:r>
+              <a:rPr lang="en-US" dirty="0" err="1" smtClean="0"/>
+              <a:t>syslogd</a:t>
+            </a:r>
+            <a:r>
+              <a:rPr lang="en-US" dirty="0" smtClean="0"/>
+              <a:t> daemon</a:t>
+            </a:r>
+          </a:p>
+          <a:p>
+            <a:r>
+              <a:rPr lang="en-US" dirty="0" smtClean="0"/>
+              <a:t>All transactions of messages coming in being sent out of the server will be logged</a:t>
+            </a:r>
+          </a:p>
+          <a:p>
+            <a:r>
+              <a:rPr lang="en-US" dirty="0" smtClean="0"/>
+              <a:t>Logs will contain details like hostnames, recipients, time and date, and whether the email was queued or dropped</a:t>
             </a:r>
             <a:endParaRPr lang="en-US" dirty="0"/>
           </a:p>
@@ -3819,7 +3807,7 @@
     </p:spTree>
     <p:extLst>
       <p:ext uri="{BB962C8B-B14F-4D97-AF65-F5344CB8AC3E}">
-        <p14:creationId xmlns:p14="http://schemas.microsoft.com/office/powerpoint/2010/main" val="2123799134"/>
+        <p14:creationId xmlns:p14="http://schemas.microsoft.com/office/powerpoint/2010/main" val="1366348351"/>
       </p:ext>
     </p:extLst>
   </p:cSld>
@@ -3870,7 +3858,11 @@
           <a:p>
             <a:r>
               <a:rPr lang="en-US" b="1" dirty="0" smtClean="0"/>
-              <a:t>Logging</a:t>
+              <a:t>Postfix Daemon process </a:t>
+            </a:r>
+            <a:r>
+              <a:rPr lang="en-US" b="1" dirty="0" err="1" smtClean="0"/>
+              <a:t>chrooted</a:t>
             </a:r>
             <a:endParaRPr lang="en-US" b="1" dirty="0"/>
           </a:p>
@@ -3886,65 +3878,68 @@
             <p:ph idx="1"/>
           </p:nvPr>
         </p:nvSpPr>
-        <p:spPr>
-          <a:xfrm>
-            <a:off x="1981200" y="1312334"/>
-            <a:ext cx="8229600" cy="4813830"/>
-          </a:xfrm>
-        </p:spPr>
-        <p:txBody>
-          <a:bodyPr/>
-          <a:lstStyle/>
-          <a:p>
-            <a:r>
-              <a:rPr lang="en-US" dirty="0" smtClean="0"/>
-              <a:t>Postfix will log all messages to</a:t>
-            </a:r>
-            <a:br>
-              <a:rPr lang="en-US" dirty="0" smtClean="0"/>
-            </a:br>
-            <a:r>
-              <a:rPr lang="en-US" b="1" i="1" dirty="0" smtClean="0"/>
-              <a:t>/</a:t>
-            </a:r>
-            <a:r>
-              <a:rPr lang="en-US" b="1" i="1" dirty="0" err="1" smtClean="0"/>
+        <p:spPr/>
+        <p:txBody>
+          <a:bodyPr>
+            <a:normAutofit/>
+          </a:bodyPr>
+          <a:lstStyle/>
+          <a:p>
+            <a:r>
+              <a:rPr lang="en-US" dirty="0" smtClean="0"/>
+              <a:t>Postfix daemon processes can be configured (via the </a:t>
+            </a:r>
+            <a:r>
+              <a:rPr lang="en-US" dirty="0" smtClean="0">
+                <a:hlinkClick r:id="rId2"/>
+              </a:rPr>
+              <a:t>master.cf</a:t>
+            </a:r>
+            <a:r>
+              <a:rPr lang="en-US" dirty="0" smtClean="0"/>
+              <a:t> file) to run in a </a:t>
+            </a:r>
+            <a:r>
+              <a:rPr lang="en-US" dirty="0" err="1" smtClean="0"/>
+              <a:t>chroot</a:t>
+            </a:r>
+            <a:r>
+              <a:rPr lang="en-US" dirty="0" smtClean="0"/>
+              <a:t> jail</a:t>
+            </a:r>
+          </a:p>
+          <a:p>
+            <a:r>
+              <a:rPr lang="en-US" dirty="0" smtClean="0"/>
+              <a:t>The processes run at a fixed low privilege and with file system access limited to the Postfix queue directories (/</a:t>
+            </a:r>
+            <a:r>
+              <a:rPr lang="en-US" dirty="0" err="1" smtClean="0"/>
               <a:t>var</a:t>
             </a:r>
             <a:r>
-              <a:rPr lang="en-US" b="1" i="1" dirty="0" smtClean="0"/>
-              <a:t>/log/</a:t>
-            </a:r>
-            <a:r>
-              <a:rPr lang="en-US" b="1" i="1" dirty="0" err="1" smtClean="0"/>
-              <a:t>mail.log</a:t>
-            </a:r>
-            <a:endParaRPr lang="en-US" b="1" i="1" dirty="0" smtClean="0"/>
-          </a:p>
-          <a:p>
-            <a:r>
-              <a:rPr lang="en-US" dirty="0" smtClean="0"/>
-              <a:t>Done using the </a:t>
+              <a:rPr lang="en-US" dirty="0" smtClean="0"/>
+              <a:t>/spool/postfix). </a:t>
+            </a:r>
+          </a:p>
+          <a:p>
+            <a:r>
+              <a:rPr lang="en-US" dirty="0" smtClean="0"/>
+              <a:t>This provides a significant barrier against intrusion. </a:t>
+            </a:r>
+          </a:p>
+          <a:p>
+            <a:r>
+              <a:rPr lang="en-US" dirty="0" smtClean="0"/>
+              <a:t>The barrier is not impenetrable (</a:t>
             </a:r>
             <a:r>
               <a:rPr lang="en-US" dirty="0" err="1" smtClean="0"/>
-              <a:t>syslogd</a:t>
-            </a:r>
-            <a:r>
-              <a:rPr lang="en-US" dirty="0" smtClean="0"/>
-              <a:t> daemon</a:t>
-            </a:r>
-          </a:p>
-          <a:p>
-            <a:r>
-              <a:rPr lang="en-US" dirty="0" smtClean="0"/>
-              <a:t>All transactions of messages coming in being sent out of the server will be logged</a:t>
-            </a:r>
-          </a:p>
-          <a:p>
-            <a:r>
-              <a:rPr lang="en-US" dirty="0" smtClean="0"/>
-              <a:t>Logs will contain details like hostnames, recipients, time and date, and whether the email was queued or dropped</a:t>
+              <a:t>chroot</a:t>
+            </a:r>
+            <a:r>
+              <a:rPr lang="en-US" dirty="0" smtClean="0"/>
+              <a:t> limits file system access only)</a:t>
             </a:r>
             <a:endParaRPr lang="en-US" dirty="0"/>
           </a:p>
@@ -3953,7 +3948,7 @@
     </p:spTree>
     <p:extLst>
       <p:ext uri="{BB962C8B-B14F-4D97-AF65-F5344CB8AC3E}">
-        <p14:creationId xmlns:p14="http://schemas.microsoft.com/office/powerpoint/2010/main" val="1366348351"/>
+        <p14:creationId xmlns:p14="http://schemas.microsoft.com/office/powerpoint/2010/main" val="1174097886"/>
       </p:ext>
     </p:extLst>
   </p:cSld>
@@ -4004,11 +3999,7 @@
           <a:p>
             <a:r>
               <a:rPr lang="en-US" b="1" dirty="0" smtClean="0"/>
-              <a:t>Postfix Daemon process </a:t>
-            </a:r>
-            <a:r>
-              <a:rPr lang="en-US" b="1" dirty="0" err="1" smtClean="0"/>
-              <a:t>chrooted</a:t>
+              <a:t>Interfaces and Protocol</a:t>
             </a:r>
             <a:endParaRPr lang="en-US" b="1" dirty="0"/>
           </a:p>
@@ -4033,60 +4024,63 @@
           <a:p>
             <a:r>
               <a:rPr lang="en-US" dirty="0" smtClean="0"/>
-              <a:t>Postfix daemon processes can be configured (via the </a:t>
+              <a:t>The </a:t>
             </a:r>
             <a:r>
               <a:rPr lang="en-US" dirty="0" smtClean="0">
                 <a:hlinkClick r:id="rId2"/>
               </a:rPr>
-              <a:t>master.cf</a:t>
-            </a:r>
-            <a:r>
-              <a:rPr lang="en-US" dirty="0" smtClean="0"/>
-              <a:t> file) to run in a </a:t>
+              <a:t>inet_interfaces</a:t>
+            </a:r>
+            <a:r>
+              <a:rPr lang="en-US" dirty="0" smtClean="0"/>
+              <a:t> parameter specifies all network interface addresses that the Postfix system should listen on</a:t>
+            </a:r>
+          </a:p>
+          <a:p>
+            <a:pPr lvl="1"/>
+            <a:r>
+              <a:rPr lang="en-US" dirty="0" err="1"/>
+              <a:t>i</a:t>
             </a:r>
             <a:r>
               <a:rPr lang="en-US" dirty="0" err="1" smtClean="0"/>
-              <a:t>chroot</a:t>
-            </a:r>
-            <a:r>
-              <a:rPr lang="en-US" dirty="0" smtClean="0"/>
-              <a:t> jail</a:t>
-            </a:r>
-          </a:p>
-          <a:p>
-            <a:r>
-              <a:rPr lang="en-US" dirty="0" smtClean="0"/>
-              <a:t>The processes run at a fixed low privilege and with file system access limited to the Postfix queue directories (/</a:t>
-            </a:r>
-            <a:r>
-              <a:rPr lang="en-US" dirty="0" err="1" smtClean="0"/>
-              <a:t>var</a:t>
-            </a:r>
-            <a:r>
-              <a:rPr lang="en-US" dirty="0" smtClean="0"/>
-              <a:t>/spool/postfix). </a:t>
-            </a:r>
-          </a:p>
-          <a:p>
-            <a:r>
-              <a:rPr lang="en-US" dirty="0" smtClean="0"/>
-              <a:t>This provides a significant barrier against intrusion. </a:t>
-            </a:r>
-          </a:p>
-          <a:p>
-            <a:r>
-              <a:rPr lang="en-US" dirty="0" smtClean="0"/>
-              <a:t>The barrier is not impenetrable (</a:t>
-            </a:r>
-            <a:r>
-              <a:rPr lang="en-US" dirty="0" err="1" smtClean="0"/>
-              <a:t>chroot</a:t>
-            </a:r>
-            <a:r>
-              <a:rPr lang="en-US" dirty="0" smtClean="0"/>
-              <a:t> limits file system access only)</a:t>
-            </a:r>
+              <a:t>net_interfaces</a:t>
+            </a:r>
+            <a:r>
+              <a:rPr lang="en-US" dirty="0" smtClean="0"/>
+              <a:t> = all</a:t>
+            </a:r>
+          </a:p>
+          <a:p>
+            <a:r>
+              <a:rPr lang="en-US" dirty="0" smtClean="0">
+                <a:hlinkClick r:id="rId3"/>
+              </a:rPr>
+              <a:t>inet_protocols</a:t>
+            </a:r>
+            <a:r>
+              <a:rPr lang="en-US" dirty="0" smtClean="0"/>
+              <a:t> parameter specifies which protocols Postfix will attempt to use</a:t>
+            </a:r>
+          </a:p>
+          <a:p>
+            <a:pPr lvl="1"/>
+            <a:r>
+              <a:rPr lang="en-US" dirty="0" smtClean="0">
+                <a:hlinkClick r:id="rId3"/>
+              </a:rPr>
+              <a:t>inet_protocols</a:t>
+            </a:r>
+            <a:r>
+              <a:rPr lang="en-US" dirty="0" smtClean="0"/>
+              <a:t> = ipv4, ipv6 </a:t>
+            </a:r>
+          </a:p>
+          <a:p>
+            <a:endParaRPr lang="en-US" dirty="0" smtClean="0"/>
+          </a:p>
+          <a:p>
             <a:endParaRPr lang="en-US" dirty="0"/>
           </a:p>
         </p:txBody>
@@ -4094,7 +4088,7 @@
     </p:spTree>
     <p:extLst>
       <p:ext uri="{BB962C8B-B14F-4D97-AF65-F5344CB8AC3E}">
-        <p14:creationId xmlns:p14="http://schemas.microsoft.com/office/powerpoint/2010/main" val="1174097886"/>
+        <p14:creationId xmlns:p14="http://schemas.microsoft.com/office/powerpoint/2010/main" val="1983421366"/>
       </p:ext>
     </p:extLst>
   </p:cSld>
@@ -4145,146 +4139,6 @@
           <a:p>
             <a:r>
               <a:rPr lang="en-US" b="1" dirty="0" smtClean="0"/>
-              <a:t>Interfaces and Protocol</a:t>
-            </a:r>
-            <a:endParaRPr lang="en-US" b="1" dirty="0"/>
-          </a:p>
-        </p:txBody>
-      </p:sp>
-      <p:sp>
-        <p:nvSpPr>
-          <p:cNvPr id="3" name="Content Placeholder 2"/>
-          <p:cNvSpPr>
-            <a:spLocks noGrp="1"/>
-          </p:cNvSpPr>
-          <p:nvPr>
-            <p:ph idx="1"/>
-          </p:nvPr>
-        </p:nvSpPr>
-        <p:spPr/>
-        <p:txBody>
-          <a:bodyPr>
-            <a:normAutofit/>
-          </a:bodyPr>
-          <a:lstStyle/>
-          <a:p>
-            <a:r>
-              <a:rPr lang="en-US" dirty="0" smtClean="0"/>
-              <a:t>The </a:t>
-            </a:r>
-            <a:r>
-              <a:rPr lang="en-US" dirty="0" smtClean="0">
-                <a:hlinkClick r:id="rId2"/>
-              </a:rPr>
-              <a:t>inet_interfaces</a:t>
-            </a:r>
-            <a:r>
-              <a:rPr lang="en-US" dirty="0" smtClean="0"/>
-              <a:t> parameter specifies all network interface addresses that the Postfix system should listen on</a:t>
-            </a:r>
-          </a:p>
-          <a:p>
-            <a:pPr lvl="1"/>
-            <a:r>
-              <a:rPr lang="en-US" dirty="0" err="1"/>
-              <a:t>i</a:t>
-            </a:r>
-            <a:r>
-              <a:rPr lang="en-US" dirty="0" err="1" smtClean="0"/>
-              <a:t>net_interfaces</a:t>
-            </a:r>
-            <a:r>
-              <a:rPr lang="en-US" dirty="0" smtClean="0"/>
-              <a:t> = all</a:t>
-            </a:r>
-          </a:p>
-          <a:p>
-            <a:r>
-              <a:rPr lang="en-US" dirty="0" smtClean="0">
-                <a:hlinkClick r:id="rId3"/>
-              </a:rPr>
-              <a:t>inet_protocols</a:t>
-            </a:r>
-            <a:r>
-              <a:rPr lang="en-US" dirty="0" smtClean="0"/>
-              <a:t> parameter specifies which protocols Postfix will attempt to use</a:t>
-            </a:r>
-          </a:p>
-          <a:p>
-            <a:pPr lvl="1"/>
-            <a:r>
-              <a:rPr lang="en-US" dirty="0" smtClean="0">
-                <a:hlinkClick r:id="rId3"/>
-              </a:rPr>
-              <a:t>inet_protocols</a:t>
-            </a:r>
-            <a:r>
-              <a:rPr lang="en-US" dirty="0" smtClean="0"/>
-              <a:t> = ipv4, ipv6 </a:t>
-            </a:r>
-          </a:p>
-          <a:p>
-            <a:endParaRPr lang="en-US" dirty="0" smtClean="0"/>
-          </a:p>
-          <a:p>
-            <a:endParaRPr lang="en-US" dirty="0"/>
-          </a:p>
-        </p:txBody>
-      </p:sp>
-    </p:spTree>
-    <p:extLst>
-      <p:ext uri="{BB962C8B-B14F-4D97-AF65-F5344CB8AC3E}">
-        <p14:creationId xmlns:p14="http://schemas.microsoft.com/office/powerpoint/2010/main" val="1983421366"/>
-      </p:ext>
-    </p:extLst>
-  </p:cSld>
-  <p:clrMapOvr>
-    <a:masterClrMapping/>
-  </p:clrMapOvr>
-  <p:timing>
-    <p:tnLst>
-      <p:par>
-        <p:cTn id="1" dur="indefinite" restart="never" nodeType="tmRoot"/>
-      </p:par>
-    </p:tnLst>
-  </p:timing>
-</p:sld>
-</file>
-
-<file path=ppt/slides/slide18.xml><?xml version="1.0" encoding="utf-8"?>
-<p:sld xmlns:a="http://schemas.openxmlformats.org/drawingml/2006/main" xmlns:r="http://schemas.openxmlformats.org/officeDocument/2006/relationships" xmlns:p="http://schemas.openxmlformats.org/presentationml/2006/main">
-  <p:cSld>
-    <p:spTree>
-      <p:nvGrpSpPr>
-        <p:cNvPr id="1" name=""/>
-        <p:cNvGrpSpPr/>
-        <p:nvPr/>
-      </p:nvGrpSpPr>
-      <p:grpSpPr>
-        <a:xfrm>
-          <a:off x="0" y="0"/>
-          <a:ext cx="0" cy="0"/>
-          <a:chOff x="0" y="0"/>
-          <a:chExt cx="0" cy="0"/>
-        </a:xfrm>
-      </p:grpSpPr>
-      <p:sp>
-        <p:nvSpPr>
-          <p:cNvPr id="2" name="Title 1"/>
-          <p:cNvSpPr>
-            <a:spLocks noGrp="1"/>
-          </p:cNvSpPr>
-          <p:nvPr>
-            <p:ph type="title"/>
-          </p:nvPr>
-        </p:nvSpPr>
-        <p:spPr/>
-        <p:txBody>
-          <a:bodyPr/>
-          <a:lstStyle/>
-          <a:p>
-            <a:r>
-              <a:rPr lang="en-US" b="1" dirty="0" smtClean="0"/>
               <a:t>Starting, stopping and logs</a:t>
             </a:r>
             <a:endParaRPr lang="en-US" b="1" dirty="0"/>
@@ -4500,7 +4354,7 @@
 </p:sld>
 </file>
 
-<file path=ppt/slides/slide19.xml><?xml version="1.0" encoding="utf-8"?>
+<file path=ppt/slides/slide18.xml><?xml version="1.0" encoding="utf-8"?>
 <p:sld xmlns:a="http://schemas.openxmlformats.org/drawingml/2006/main" xmlns:r="http://schemas.openxmlformats.org/officeDocument/2006/relationships" xmlns:p="http://schemas.openxmlformats.org/presentationml/2006/main">
   <p:cSld>
     <p:spTree>
@@ -4659,17 +4513,22 @@
             <a:spLocks noGrp="1"/>
           </p:cNvSpPr>
           <p:nvPr>
-            <p:ph type="ctrTitle"/>
-          </p:nvPr>
-        </p:nvSpPr>
-        <p:spPr/>
+            <p:ph type="title"/>
+          </p:nvPr>
+        </p:nvSpPr>
+        <p:spPr>
+          <a:xfrm>
+            <a:off x="1981200" y="114557"/>
+            <a:ext cx="8229600" cy="1143000"/>
+          </a:xfrm>
+        </p:spPr>
         <p:txBody>
           <a:bodyPr/>
           <a:lstStyle/>
           <a:p>
             <a:r>
               <a:rPr lang="en-US" b="1" dirty="0" smtClean="0"/>
-              <a:t>Postfix Mail Server</a:t>
+              <a:t>What is Postfix?</a:t>
             </a:r>
             <a:endParaRPr lang="en-US" b="1" dirty="0"/>
           </a:p>
@@ -4677,29 +4536,178 @@
       </p:sp>
       <p:sp>
         <p:nvSpPr>
-          <p:cNvPr id="3" name="Subtitle 2"/>
-          <p:cNvSpPr>
-            <a:spLocks noGrp="1"/>
-          </p:cNvSpPr>
-          <p:nvPr>
-            <p:ph type="subTitle" idx="1"/>
-          </p:nvPr>
-        </p:nvSpPr>
-        <p:spPr/>
-        <p:txBody>
-          <a:bodyPr/>
-          <a:lstStyle/>
-          <a:p>
-            <a:r>
-              <a:rPr lang="en-US" dirty="0" smtClean="0"/>
-              <a:t>Kevin Chege</a:t>
-            </a:r>
-          </a:p>
-          <a:p>
-            <a:r>
-              <a:rPr lang="en-US" dirty="0" smtClean="0"/>
-              <a:t>ISOC</a:t>
-            </a:r>
+          <p:cNvPr id="3" name="Content Placeholder 2"/>
+          <p:cNvSpPr>
+            <a:spLocks noGrp="1"/>
+          </p:cNvSpPr>
+          <p:nvPr>
+            <p:ph idx="1"/>
+          </p:nvPr>
+        </p:nvSpPr>
+        <p:spPr>
+          <a:xfrm>
+            <a:off x="1981200" y="1257558"/>
+            <a:ext cx="8229600" cy="5030227"/>
+          </a:xfrm>
+        </p:spPr>
+        <p:txBody>
+          <a:bodyPr>
+            <a:normAutofit fontScale="92500" lnSpcReduction="10000"/>
+          </a:bodyPr>
+          <a:lstStyle/>
+          <a:p>
+            <a:r>
+              <a:rPr lang="en-US" b="1" dirty="0" smtClean="0"/>
+              <a:t>Postfix</a:t>
+            </a:r>
+            <a:r>
+              <a:rPr lang="en-US" dirty="0" smtClean="0"/>
+              <a:t> is a </a:t>
+            </a:r>
+            <a:r>
+              <a:rPr lang="en-US" dirty="0" smtClean="0">
+                <a:hlinkClick r:id="rId2" tooltip="Free software"/>
+              </a:rPr>
+              <a:t>free</a:t>
+            </a:r>
+            <a:r>
+              <a:rPr lang="en-US" dirty="0" smtClean="0"/>
+              <a:t> and </a:t>
+            </a:r>
+            <a:r>
+              <a:rPr lang="en-US" dirty="0" smtClean="0">
+                <a:hlinkClick r:id="rId3" tooltip="Open-source software"/>
+              </a:rPr>
+              <a:t>open-source</a:t>
+            </a:r>
+            <a:r>
+              <a:rPr lang="en-US" dirty="0" smtClean="0"/>
+              <a:t> </a:t>
+            </a:r>
+            <a:r>
+              <a:rPr lang="en-US" dirty="0" smtClean="0">
+                <a:hlinkClick r:id="rId4" tooltip="Mail transfer agent"/>
+              </a:rPr>
+              <a:t>mail transfer agent</a:t>
+            </a:r>
+            <a:r>
+              <a:rPr lang="en-US" dirty="0" smtClean="0"/>
+              <a:t> (MTA) that routes and delivers </a:t>
+            </a:r>
+            <a:r>
+              <a:rPr lang="en-US" dirty="0" smtClean="0">
+                <a:hlinkClick r:id="rId5" tooltip="E-mail"/>
+              </a:rPr>
+              <a:t>electronic mail</a:t>
+            </a:r>
+            <a:r>
+              <a:rPr lang="en-US" dirty="0" smtClean="0"/>
+              <a:t>, intended as an alternative to the widely used </a:t>
+            </a:r>
+            <a:r>
+              <a:rPr lang="en-US" dirty="0" smtClean="0">
+                <a:hlinkClick r:id="rId6" tooltip="Sendmail"/>
+              </a:rPr>
+              <a:t>Sendmail</a:t>
+            </a:r>
+            <a:r>
+              <a:rPr lang="en-US" dirty="0" smtClean="0"/>
+              <a:t> MTA.</a:t>
+            </a:r>
+          </a:p>
+          <a:p>
+            <a:r>
+              <a:rPr lang="en-US" dirty="0" smtClean="0"/>
+              <a:t>Postfix is released under the </a:t>
+            </a:r>
+            <a:r>
+              <a:rPr lang="en-US" dirty="0" smtClean="0">
+                <a:hlinkClick r:id="rId7" tooltip="IBM Public License"/>
+              </a:rPr>
+              <a:t>IBM Public License</a:t>
+            </a:r>
+            <a:r>
+              <a:rPr lang="en-US" dirty="0" smtClean="0"/>
+              <a:t> 1.0 which is a </a:t>
+            </a:r>
+            <a:r>
+              <a:rPr lang="en-US" dirty="0" smtClean="0">
+                <a:hlinkClick r:id="rId8" tooltip="Free software licence"/>
+              </a:rPr>
+              <a:t>free software licence</a:t>
+            </a:r>
+            <a:r>
+              <a:rPr lang="en-US" dirty="0" smtClean="0"/>
+              <a:t>.</a:t>
+            </a:r>
+          </a:p>
+          <a:p>
+            <a:r>
+              <a:rPr lang="en-US" dirty="0" smtClean="0"/>
+              <a:t>Originally written in 1997 by </a:t>
+            </a:r>
+            <a:r>
+              <a:rPr lang="en-US" dirty="0" smtClean="0">
+                <a:hlinkClick r:id="rId9" tooltip="Wietse Venema"/>
+              </a:rPr>
+              <a:t>Wietse Venema</a:t>
+            </a:r>
+            <a:r>
+              <a:rPr lang="en-US" dirty="0" smtClean="0"/>
+              <a:t> at the </a:t>
+            </a:r>
+            <a:r>
+              <a:rPr lang="en-US" dirty="0" smtClean="0">
+                <a:hlinkClick r:id="rId10" tooltip="IBM"/>
+              </a:rPr>
+              <a:t>IBM</a:t>
+            </a:r>
+            <a:r>
+              <a:rPr lang="en-US" dirty="0" smtClean="0"/>
+              <a:t> </a:t>
+            </a:r>
+            <a:r>
+              <a:rPr lang="en-US" dirty="0" smtClean="0">
+                <a:hlinkClick r:id="rId11" tooltip="Thomas J. Watson Research Center"/>
+              </a:rPr>
+              <a:t>Thomas J. Watson Research Center</a:t>
+            </a:r>
+            <a:r>
+              <a:rPr lang="en-US" dirty="0" smtClean="0"/>
+              <a:t> and first released in December 1998, Postfix continues as of 2014 to be actively developed by its creator and other contributors. The software is also known by its former names </a:t>
+            </a:r>
+            <a:r>
+              <a:rPr lang="en-US" b="1" dirty="0" err="1" smtClean="0"/>
+              <a:t>VMailer</a:t>
+            </a:r>
+            <a:r>
+              <a:rPr lang="en-US" dirty="0" smtClean="0"/>
+              <a:t> and </a:t>
+            </a:r>
+            <a:r>
+              <a:rPr lang="en-US" b="1" dirty="0" smtClean="0"/>
+              <a:t>IBM Secure Mailer</a:t>
+            </a:r>
+            <a:r>
+              <a:rPr lang="en-US" dirty="0" smtClean="0"/>
+              <a:t>.</a:t>
+            </a:r>
+          </a:p>
+          <a:p>
+            <a:r>
+              <a:rPr lang="en-US" dirty="0" smtClean="0"/>
+              <a:t>In January 2013 in a study performed by E-Soft, Inc.</a:t>
+            </a:r>
+            <a:r>
+              <a:rPr lang="en-US" dirty="0"/>
+              <a:t> </a:t>
+            </a:r>
+            <a:r>
+              <a:rPr lang="en-US" dirty="0" smtClean="0"/>
+              <a:t>found that approximately 25% of the publicly reachable mail-servers on the Internet ran Postfix.</a:t>
+            </a:r>
+          </a:p>
+          <a:p>
             <a:endParaRPr lang="en-US" dirty="0"/>
           </a:p>
         </p:txBody>
@@ -4707,7 +4715,7 @@
     </p:spTree>
     <p:extLst>
       <p:ext uri="{BB962C8B-B14F-4D97-AF65-F5344CB8AC3E}">
-        <p14:creationId xmlns:p14="http://schemas.microsoft.com/office/powerpoint/2010/main" val="1913290876"/>
+        <p14:creationId xmlns:p14="http://schemas.microsoft.com/office/powerpoint/2010/main" val="1940339421"/>
       </p:ext>
     </p:extLst>
   </p:cSld>
@@ -4751,59 +4759,85 @@
             <p:ph type="title"/>
           </p:nvPr>
         </p:nvSpPr>
-        <p:spPr>
-          <a:xfrm>
-            <a:off x="1981200" y="114557"/>
-            <a:ext cx="8229600" cy="1143000"/>
-          </a:xfrm>
-        </p:spPr>
-        <p:txBody>
-          <a:bodyPr/>
-          <a:lstStyle/>
-          <a:p>
-            <a:r>
-              <a:rPr lang="en-US" b="1" dirty="0" smtClean="0"/>
-              <a:t>What is Postfix?</a:t>
-            </a:r>
-            <a:endParaRPr lang="en-US" b="1" dirty="0"/>
-          </a:p>
-        </p:txBody>
-      </p:sp>
-      <p:sp>
-        <p:nvSpPr>
-          <p:cNvPr id="3" name="Content Placeholder 2"/>
-          <p:cNvSpPr>
-            <a:spLocks noGrp="1"/>
-          </p:cNvSpPr>
-          <p:nvPr>
-            <p:ph idx="1"/>
-          </p:nvPr>
-        </p:nvSpPr>
-        <p:spPr>
-          <a:xfrm>
-            <a:off x="1981200" y="1257558"/>
-            <a:ext cx="8229600" cy="5030227"/>
-          </a:xfrm>
-        </p:spPr>
-        <p:txBody>
-          <a:bodyPr>
-            <a:normAutofit fontScale="92500" lnSpcReduction="10000"/>
-          </a:bodyPr>
+        <p:spPr/>
+        <p:txBody>
+          <a:bodyPr/>
           <a:lstStyle/>
           <a:p>
             <a:r>
               <a:rPr lang="en-US" b="1" dirty="0" smtClean="0"/>
               <a:t>Postfix</a:t>
             </a:r>
-            <a:r>
-              <a:rPr lang="en-US" dirty="0" smtClean="0"/>
-              <a:t> is a </a:t>
+            <a:endParaRPr lang="en-US" b="1" dirty="0"/>
+          </a:p>
+        </p:txBody>
+      </p:sp>
+      <p:sp>
+        <p:nvSpPr>
+          <p:cNvPr id="3" name="Content Placeholder 2"/>
+          <p:cNvSpPr>
+            <a:spLocks noGrp="1"/>
+          </p:cNvSpPr>
+          <p:nvPr>
+            <p:ph idx="1"/>
+          </p:nvPr>
+        </p:nvSpPr>
+        <p:spPr/>
+        <p:txBody>
+          <a:bodyPr>
+            <a:normAutofit/>
+          </a:bodyPr>
+          <a:lstStyle/>
+          <a:p>
+            <a:r>
+              <a:rPr lang="en-US" dirty="0" smtClean="0"/>
+              <a:t>Works on UNIX-like systems including AIX, BSD, HP-UX, Linux, </a:t>
+            </a:r>
+            <a:r>
+              <a:rPr lang="en-US" dirty="0" err="1" smtClean="0"/>
+              <a:t>MacOS</a:t>
+            </a:r>
+            <a:r>
+              <a:rPr lang="en-US" dirty="0" smtClean="0"/>
+              <a:t> X, Solaris, and more.</a:t>
+            </a:r>
+          </a:p>
+          <a:p>
+            <a:r>
+              <a:rPr lang="en-US" dirty="0" smtClean="0"/>
+              <a:t>It is the default </a:t>
             </a:r>
             <a:r>
               <a:rPr lang="en-US" dirty="0" smtClean="0">
-                <a:hlinkClick r:id="rId2" tooltip="Free software"/>
+                <a:hlinkClick r:id="rId2" tooltip="Message transfer agent"/>
               </a:rPr>
-              <a:t>free</a:t>
+              <a:t>MTA</a:t>
+            </a:r>
+            <a:r>
+              <a:rPr lang="en-US" dirty="0" smtClean="0"/>
+              <a:t> for the </a:t>
+            </a:r>
+            <a:r>
+              <a:rPr lang="en-US" dirty="0" smtClean="0">
+                <a:hlinkClick r:id="rId3" tooltip="OS X"/>
+              </a:rPr>
+              <a:t>OS X</a:t>
+            </a:r>
+            <a:r>
+              <a:rPr lang="en-US" dirty="0" smtClean="0"/>
+              <a:t>, </a:t>
+            </a:r>
+            <a:r>
+              <a:rPr lang="en-US" dirty="0" smtClean="0">
+                <a:hlinkClick r:id="rId4" tooltip="NetBSD"/>
+              </a:rPr>
+              <a:t>NetBSD</a:t>
+            </a:r>
+            <a:r>
+              <a:rPr lang="en-US" baseline="30000" dirty="0" smtClean="0">
+                <a:hlinkClick r:id="rId5"/>
+              </a:rPr>
+              <a:t>[3]</a:t>
             </a:r>
             <a:r>
               <a:rPr lang="en-US" dirty="0" smtClean="0"/>
@@ -4811,138 +4845,26 @@
             </a:r>
             <a:r>
               <a:rPr lang="en-US" dirty="0" smtClean="0">
-                <a:hlinkClick r:id="rId3" tooltip="Open-source software"/>
+                <a:hlinkClick r:id="rId6" tooltip="Ubuntu (operating system)"/>
               </a:rPr>
-              <a:t>open-source</a:t>
-            </a:r>
-            <a:r>
-              <a:rPr lang="en-US" dirty="0" smtClean="0"/>
-              <a:t> </a:t>
-            </a:r>
-            <a:r>
-              <a:rPr lang="en-US" dirty="0" smtClean="0">
-                <a:hlinkClick r:id="rId4" tooltip="Mail transfer agent"/>
-              </a:rPr>
-              <a:t>mail transfer agent</a:t>
-            </a:r>
-            <a:r>
-              <a:rPr lang="en-US" dirty="0" smtClean="0"/>
-              <a:t> (MTA) that routes and delivers </a:t>
-            </a:r>
-            <a:r>
-              <a:rPr lang="en-US" dirty="0" smtClean="0">
-                <a:hlinkClick r:id="rId5" tooltip="E-mail"/>
-              </a:rPr>
-              <a:t>electronic mail</a:t>
-            </a:r>
-            <a:r>
-              <a:rPr lang="en-US" dirty="0" smtClean="0"/>
-              <a:t>, intended as an alternative to the widely used </a:t>
-            </a:r>
-            <a:r>
-              <a:rPr lang="en-US" dirty="0" smtClean="0">
-                <a:hlinkClick r:id="rId6" tooltip="Sendmail"/>
-              </a:rPr>
-              <a:t>Sendmail</a:t>
-            </a:r>
-            <a:r>
-              <a:rPr lang="en-US" dirty="0" smtClean="0"/>
-              <a:t> MTA.</a:t>
-            </a:r>
-          </a:p>
-          <a:p>
-            <a:r>
-              <a:rPr lang="en-US" dirty="0" smtClean="0"/>
-              <a:t>Postfix is released under the </a:t>
-            </a:r>
-            <a:r>
-              <a:rPr lang="en-US" dirty="0" smtClean="0">
-                <a:hlinkClick r:id="rId7" tooltip="IBM Public License"/>
-              </a:rPr>
-              <a:t>IBM Public License</a:t>
-            </a:r>
-            <a:r>
-              <a:rPr lang="en-US" dirty="0" smtClean="0"/>
-              <a:t> 1.0 which is a </a:t>
-            </a:r>
-            <a:r>
-              <a:rPr lang="en-US" dirty="0" smtClean="0">
-                <a:hlinkClick r:id="rId8" tooltip="Free software licence"/>
-              </a:rPr>
-              <a:t>free software licence</a:t>
-            </a:r>
-            <a:r>
-              <a:rPr lang="en-US" dirty="0" smtClean="0"/>
-              <a:t>.</a:t>
-            </a:r>
-          </a:p>
-          <a:p>
-            <a:r>
-              <a:rPr lang="en-US" dirty="0" smtClean="0"/>
-              <a:t>Originally written in 1997 by </a:t>
-            </a:r>
-            <a:r>
-              <a:rPr lang="en-US" dirty="0" smtClean="0">
-                <a:hlinkClick r:id="rId9" tooltip="Wietse Venema"/>
-              </a:rPr>
-              <a:t>Wietse Venema</a:t>
-            </a:r>
-            <a:r>
-              <a:rPr lang="en-US" dirty="0" smtClean="0"/>
-              <a:t> at the </a:t>
-            </a:r>
-            <a:r>
-              <a:rPr lang="en-US" dirty="0" smtClean="0">
-                <a:hlinkClick r:id="rId10" tooltip="IBM"/>
-              </a:rPr>
-              <a:t>IBM</a:t>
-            </a:r>
-            <a:r>
-              <a:rPr lang="en-US" dirty="0" smtClean="0"/>
-              <a:t> </a:t>
-            </a:r>
-            <a:r>
-              <a:rPr lang="en-US" dirty="0" smtClean="0">
-                <a:hlinkClick r:id="rId11" tooltip="Thomas J. Watson Research Center"/>
-              </a:rPr>
-              <a:t>Thomas J. Watson Research Center</a:t>
-            </a:r>
-            <a:r>
-              <a:rPr lang="en-US" dirty="0" smtClean="0"/>
-              <a:t> and first released in December 1998, Postfix continues as of 2014 to be actively developed by its creator and other contributors. The software is also known by its former names </a:t>
-            </a:r>
-            <a:r>
-              <a:rPr lang="en-US" b="1" dirty="0" err="1" smtClean="0"/>
-              <a:t>VMailer</a:t>
-            </a:r>
-            <a:r>
-              <a:rPr lang="en-US" dirty="0" smtClean="0"/>
-              <a:t> and </a:t>
-            </a:r>
-            <a:r>
-              <a:rPr lang="en-US" b="1" dirty="0" smtClean="0"/>
-              <a:t>IBM Secure Mailer</a:t>
-            </a:r>
-            <a:r>
-              <a:rPr lang="en-US" dirty="0" smtClean="0"/>
-              <a:t>.</a:t>
-            </a:r>
-          </a:p>
-          <a:p>
-            <a:r>
-              <a:rPr lang="en-US" dirty="0" smtClean="0"/>
-              <a:t>In January 2013 in a study performed by E-Soft, Inc.</a:t>
-            </a:r>
-            <a:r>
-              <a:rPr lang="en-US" dirty="0"/>
-              <a:t> </a:t>
-            </a:r>
-            <a:r>
-              <a:rPr lang="en-US" dirty="0" smtClean="0"/>
-              <a:t>found that approximately 25% of the publicly reachable mail-servers on the Internet ran Postfix.</a:t>
-            </a:r>
-          </a:p>
-          <a:p>
+              <a:t>Ubuntu</a:t>
+            </a:r>
+            <a:r>
+              <a:rPr lang="en-US" dirty="0" smtClean="0"/>
+              <a:t> operating systems</a:t>
+            </a:r>
+          </a:p>
+          <a:p>
+            <a:r>
+              <a:rPr lang="en-US" dirty="0" smtClean="0"/>
+              <a:t>Used by: AOL, Apple Server, Stanford University, United States Navy, NASA, Rackspace, many ISPs</a:t>
+            </a:r>
+          </a:p>
+          <a:p>
+            <a:r>
+              <a:rPr lang="en-US" dirty="0" smtClean="0"/>
+              <a:t>Able to process thousands </a:t>
+            </a:r>
             <a:endParaRPr lang="en-US" dirty="0"/>
           </a:p>
         </p:txBody>
@@ -4950,7 +4872,7 @@
     </p:spTree>
     <p:extLst>
       <p:ext uri="{BB962C8B-B14F-4D97-AF65-F5344CB8AC3E}">
-        <p14:creationId xmlns:p14="http://schemas.microsoft.com/office/powerpoint/2010/main" val="1940339421"/>
+        <p14:creationId xmlns:p14="http://schemas.microsoft.com/office/powerpoint/2010/main" val="1745469052"/>
       </p:ext>
     </p:extLst>
   </p:cSld>
@@ -4994,30 +4916,12 @@
             <p:ph type="title"/>
           </p:nvPr>
         </p:nvSpPr>
-        <p:spPr/>
-        <p:txBody>
-          <a:bodyPr/>
-          <a:lstStyle/>
-          <a:p>
-            <a:r>
-              <a:rPr lang="en-US" b="1" dirty="0" smtClean="0"/>
-              <a:t>Postfix</a:t>
-            </a:r>
-            <a:endParaRPr lang="en-US" b="1" dirty="0"/>
-          </a:p>
-        </p:txBody>
-      </p:sp>
-      <p:sp>
-        <p:nvSpPr>
-          <p:cNvPr id="3" name="Content Placeholder 2"/>
-          <p:cNvSpPr>
-            <a:spLocks noGrp="1"/>
-          </p:cNvSpPr>
-          <p:nvPr>
-            <p:ph idx="1"/>
-          </p:nvPr>
-        </p:nvSpPr>
-        <p:spPr/>
+        <p:spPr>
+          <a:xfrm>
+            <a:off x="1981200" y="52716"/>
+            <a:ext cx="8229600" cy="1143000"/>
+          </a:xfrm>
+        </p:spPr>
         <p:txBody>
           <a:bodyPr>
             <a:normAutofit/>
@@ -5025,81 +4929,212 @@
           <a:lstStyle/>
           <a:p>
             <a:r>
-              <a:rPr lang="en-US" dirty="0" smtClean="0"/>
-              <a:t>Works on UNIX-like systems including AIX, BSD, HP-UX, Linux, </a:t>
+              <a:rPr lang="en-US" b="1" dirty="0" smtClean="0"/>
+              <a:t>Some Key Features</a:t>
+            </a:r>
+            <a:endParaRPr lang="en-US" b="1" dirty="0"/>
+          </a:p>
+        </p:txBody>
+      </p:sp>
+      <p:sp>
+        <p:nvSpPr>
+          <p:cNvPr id="3" name="Content Placeholder 2"/>
+          <p:cNvSpPr>
+            <a:spLocks noGrp="1"/>
+          </p:cNvSpPr>
+          <p:nvPr>
+            <p:ph idx="1"/>
+          </p:nvPr>
+        </p:nvSpPr>
+        <p:spPr>
+          <a:xfrm>
+            <a:off x="1981200" y="1245229"/>
+            <a:ext cx="8229600" cy="4880935"/>
+          </a:xfrm>
+        </p:spPr>
+        <p:txBody>
+          <a:bodyPr>
+            <a:normAutofit fontScale="92500"/>
+          </a:bodyPr>
+          <a:lstStyle/>
+          <a:p>
+            <a:r>
+              <a:rPr lang="en-US" dirty="0" smtClean="0"/>
+              <a:t>SASL authentication Simple </a:t>
             </a:r>
             <a:r>
               <a:rPr lang="en-US" dirty="0" err="1" smtClean="0"/>
-              <a:t>MacOS</a:t>
-            </a:r>
-            <a:r>
-              <a:rPr lang="en-US" dirty="0" smtClean="0"/>
-              <a:t> X, Solaris, and more.</a:t>
-            </a:r>
-          </a:p>
-          <a:p>
-            <a:r>
-              <a:rPr lang="en-US" dirty="0" smtClean="0"/>
-              <a:t>It is the default </a:t>
-            </a:r>
-            <a:r>
-              <a:rPr lang="en-US" dirty="0" smtClean="0">
-                <a:hlinkClick r:id="rId2" tooltip="Message transfer agent"/>
+              <a:t>Auth</a:t>
+            </a:r>
+            <a:r>
+              <a:rPr lang="en-US" dirty="0" smtClean="0"/>
+              <a:t> Security Layer</a:t>
+            </a:r>
+          </a:p>
+          <a:p>
+            <a:r>
+              <a:rPr lang="en-US" dirty="0" smtClean="0"/>
+              <a:t>Mail forwarding or delivery</a:t>
+            </a:r>
+          </a:p>
+          <a:p>
+            <a:r>
+              <a:rPr lang="en-US" dirty="0"/>
+              <a:t>"Virtual" domains with distinct address-</a:t>
+            </a:r>
+            <a:r>
+              <a:rPr lang="en-US" dirty="0" smtClean="0"/>
+              <a:t>namespaces</a:t>
+            </a:r>
+          </a:p>
+          <a:p>
+            <a:r>
+              <a:rPr lang="en-US" dirty="0"/>
+              <a:t>A large number of database lookup mechanisms including </a:t>
+            </a:r>
+            <a:r>
+              <a:rPr lang="en-US" dirty="0">
+                <a:hlinkClick r:id="rId2" tooltip="Berkeley DB"/>
               </a:rPr>
-              <a:t>MTA</a:t>
-            </a:r>
-            <a:r>
-              <a:rPr lang="en-US" dirty="0" smtClean="0"/>
-              <a:t> for the </a:t>
-            </a:r>
-            <a:r>
-              <a:rPr lang="en-US" dirty="0" smtClean="0">
-                <a:hlinkClick r:id="rId3" tooltip="OS X"/>
+              <a:t>Berkeley DB</a:t>
+            </a:r>
+            <a:r>
+              <a:rPr lang="en-US" dirty="0"/>
+              <a:t>, </a:t>
+            </a:r>
+            <a:r>
+              <a:rPr lang="en-US" dirty="0">
+                <a:hlinkClick r:id="rId3" tooltip="Cdb (software)"/>
               </a:rPr>
-              <a:t>OS X</a:t>
-            </a:r>
-            <a:r>
-              <a:rPr lang="en-US" dirty="0" smtClean="0"/>
+              <a:t>CDB</a:t>
+            </a:r>
+            <a:r>
+              <a:rPr lang="en-US" dirty="0"/>
               <a:t>, </a:t>
             </a:r>
             <a:r>
-              <a:rPr lang="en-US" dirty="0" smtClean="0">
-                <a:hlinkClick r:id="rId4" tooltip="NetBSD"/>
+              <a:rPr lang="en-US" dirty="0">
+                <a:hlinkClick r:id="rId4" tooltip="OpenLDAP"/>
               </a:rPr>
-              <a:t>NetBSD</a:t>
-            </a:r>
-            <a:r>
-              <a:rPr lang="en-US" baseline="30000" dirty="0" smtClean="0">
-                <a:hlinkClick r:id="rId5"/>
+              <a:t>OpenLDAP LMDB</a:t>
+            </a:r>
+            <a:r>
+              <a:rPr lang="en-US" dirty="0"/>
+              <a:t>, </a:t>
+            </a:r>
+            <a:r>
+              <a:rPr lang="en-US" dirty="0">
+                <a:hlinkClick r:id="rId5" tooltip="Memcached"/>
               </a:rPr>
-              <a:t>[3]</a:t>
-            </a:r>
-            <a:r>
-              <a:rPr lang="en-US" dirty="0" smtClean="0"/>
-              <a:t> and </a:t>
-            </a:r>
-            <a:r>
-              <a:rPr lang="en-US" dirty="0" smtClean="0">
-                <a:hlinkClick r:id="rId6" tooltip="Ubuntu (operating system)"/>
+              <a:t>Memcached</a:t>
+            </a:r>
+            <a:r>
+              <a:rPr lang="en-US" dirty="0"/>
+              <a:t>, </a:t>
+            </a:r>
+            <a:r>
+              <a:rPr lang="en-US" dirty="0">
+                <a:hlinkClick r:id="rId6" tooltip="Lightweight Directory Access Protocol"/>
               </a:rPr>
-              <a:t>Ubuntu</a:t>
-            </a:r>
-            <a:r>
-              <a:rPr lang="en-US" dirty="0" smtClean="0"/>
-              <a:t> operating systems</a:t>
-            </a:r>
-          </a:p>
-          <a:p>
-            <a:r>
-              <a:rPr lang="en-US" dirty="0" smtClean="0"/>
-              <a:t>Used by: AOL, Apple Server, Stanford University, United States Navy, NASA, Rackspace, many ISPs</a:t>
-            </a:r>
-          </a:p>
-          <a:p>
-            <a:r>
-              <a:rPr lang="en-US" dirty="0" smtClean="0"/>
-              <a:t>Able to process thousands </a:t>
-            </a:r>
+              <a:t>LDAP</a:t>
+            </a:r>
+            <a:r>
+              <a:rPr lang="en-US" dirty="0"/>
+              <a:t> and multiple </a:t>
+            </a:r>
+            <a:r>
+              <a:rPr lang="en-US" dirty="0">
+                <a:hlinkClick r:id="rId7" tooltip="SQL"/>
+              </a:rPr>
+              <a:t>SQL</a:t>
+            </a:r>
+            <a:r>
+              <a:rPr lang="en-US" dirty="0"/>
+              <a:t> database </a:t>
+            </a:r>
+            <a:r>
+              <a:rPr lang="en-US" dirty="0" smtClean="0"/>
+              <a:t>implementations</a:t>
+            </a:r>
+          </a:p>
+          <a:p>
+            <a:r>
+              <a:rPr lang="en-US" dirty="0" smtClean="0"/>
+              <a:t>Extended </a:t>
+            </a:r>
+            <a:endParaRPr lang="en-US" dirty="0"/>
+          </a:p>
+          <a:p>
+            <a:pPr lvl="1"/>
+            <a:r>
+              <a:rPr lang="en-US" dirty="0">
+                <a:hlinkClick r:id="rId8" tooltip="Deep content inspection"/>
+              </a:rPr>
+              <a:t>Deep content inspection</a:t>
+            </a:r>
+            <a:r>
+              <a:rPr lang="en-US" dirty="0"/>
+              <a:t> before or after a message is accepted into the mail queue;</a:t>
+            </a:r>
+          </a:p>
+          <a:p>
+            <a:pPr lvl="1"/>
+            <a:r>
+              <a:rPr lang="en-US" dirty="0"/>
+              <a:t>Mail authentication with </a:t>
+            </a:r>
+            <a:r>
+              <a:rPr lang="en-US" dirty="0">
+                <a:hlinkClick r:id="rId9" tooltip="DomainKeys Identified Mail"/>
+              </a:rPr>
+              <a:t>DKIM</a:t>
+            </a:r>
+            <a:r>
+              <a:rPr lang="en-US" dirty="0"/>
+              <a:t>, </a:t>
+            </a:r>
+            <a:r>
+              <a:rPr lang="en-US" dirty="0">
+                <a:hlinkClick r:id="rId10" tooltip="Sender Policy Framework"/>
+              </a:rPr>
+              <a:t>SPF</a:t>
+            </a:r>
+            <a:r>
+              <a:rPr lang="en-US" dirty="0"/>
+              <a:t>, or other protocols;</a:t>
+            </a:r>
+          </a:p>
+          <a:p>
+            <a:pPr lvl="1"/>
+            <a:r>
+              <a:rPr lang="en-US" dirty="0">
+                <a:hlinkClick r:id="rId11" tooltip="Simple Mail Transfer Protocol"/>
+              </a:rPr>
+              <a:t>SMTP</a:t>
+            </a:r>
+            <a:r>
+              <a:rPr lang="en-US" dirty="0"/>
+              <a:t>-level access policies such as </a:t>
+            </a:r>
+            <a:r>
+              <a:rPr lang="en-US" dirty="0">
+                <a:hlinkClick r:id="rId12" tooltip="Greylisting"/>
+              </a:rPr>
+              <a:t>greylisting</a:t>
+            </a:r>
+            <a:r>
+              <a:rPr lang="en-US" dirty="0"/>
+              <a:t> or rate control.</a:t>
+            </a:r>
+          </a:p>
+          <a:p>
+            <a:pPr lvl="1"/>
+            <a:endParaRPr lang="en-US" dirty="0" smtClean="0"/>
+          </a:p>
+          <a:p>
+            <a:endParaRPr lang="en-US" dirty="0" smtClean="0"/>
+          </a:p>
+          <a:p>
             <a:endParaRPr lang="en-US" dirty="0"/>
           </a:p>
         </p:txBody>
@@ -5107,7 +5142,7 @@
     </p:spTree>
     <p:extLst>
       <p:ext uri="{BB962C8B-B14F-4D97-AF65-F5344CB8AC3E}">
-        <p14:creationId xmlns:p14="http://schemas.microsoft.com/office/powerpoint/2010/main" val="1745469052"/>
+        <p14:creationId xmlns:p14="http://schemas.microsoft.com/office/powerpoint/2010/main" val="1471738944"/>
       </p:ext>
     </p:extLst>
   </p:cSld>
@@ -5151,21 +5186,18 @@
             <p:ph type="title"/>
           </p:nvPr>
         </p:nvSpPr>
-        <p:spPr>
-          <a:xfrm>
-            <a:off x="1981200" y="52716"/>
-            <a:ext cx="8229600" cy="1143000"/>
-          </a:xfrm>
-        </p:spPr>
-        <p:txBody>
-          <a:bodyPr>
-            <a:normAutofit/>
-          </a:bodyPr>
+        <p:spPr/>
+        <p:txBody>
+          <a:bodyPr/>
           <a:lstStyle/>
           <a:p>
             <a:r>
               <a:rPr lang="en-US" b="1" dirty="0" smtClean="0"/>
-              <a:t>Some Key Features</a:t>
+              <a:t>Postfix on </a:t>
+            </a:r>
+            <a:r>
+              <a:rPr lang="en-US" b="1" dirty="0" err="1" smtClean="0"/>
+              <a:t>Debian</a:t>
             </a:r>
             <a:endParaRPr lang="en-US" b="1" dirty="0"/>
           </a:p>
@@ -5181,195 +5213,76 @@
             <p:ph idx="1"/>
           </p:nvPr>
         </p:nvSpPr>
-        <p:spPr>
-          <a:xfrm>
-            <a:off x="1981200" y="1245229"/>
-            <a:ext cx="8229600" cy="4880935"/>
-          </a:xfrm>
-        </p:spPr>
-        <p:txBody>
-          <a:bodyPr>
-            <a:normAutofit fontScale="85000" lnSpcReduction="20000"/>
-          </a:bodyPr>
-          <a:lstStyle/>
-          <a:p>
-            <a:r>
-              <a:rPr lang="en-US" dirty="0" smtClean="0"/>
-              <a:t>SASL authentication Simple </a:t>
-            </a:r>
+        <p:spPr/>
+        <p:txBody>
+          <a:bodyPr/>
+          <a:lstStyle/>
+          <a:p>
+            <a:r>
+              <a:rPr lang="en-US" dirty="0" smtClean="0"/>
+              <a:t>Installed via: </a:t>
+            </a:r>
+            <a:r>
+              <a:rPr lang="en-US" b="1" dirty="0" smtClean="0"/>
+              <a:t>$</a:t>
+            </a:r>
+            <a:r>
+              <a:rPr lang="en-US" b="1" dirty="0" err="1" smtClean="0"/>
+              <a:t>sudo</a:t>
+            </a:r>
+            <a:r>
+              <a:rPr lang="en-US" b="1" dirty="0" smtClean="0"/>
+              <a:t> apt-get install postfix</a:t>
+            </a:r>
+          </a:p>
+          <a:p>
+            <a:r>
+              <a:rPr lang="en-US" dirty="0" smtClean="0"/>
+              <a:t>Directories:</a:t>
+            </a:r>
+            <a:br>
+              <a:rPr lang="en-US" dirty="0" smtClean="0"/>
+            </a:br>
+            <a:r>
+              <a:rPr lang="en-US" b="1" dirty="0" smtClean="0"/>
+              <a:t>/</a:t>
+            </a:r>
+            <a:r>
+              <a:rPr lang="en-US" b="1" dirty="0" err="1" smtClean="0"/>
+              <a:t>etc</a:t>
+            </a:r>
+            <a:r>
+              <a:rPr lang="en-US" b="1" dirty="0" smtClean="0"/>
+              <a:t>/postfix</a:t>
+            </a:r>
+          </a:p>
+          <a:p>
+            <a:r>
+              <a:rPr lang="en-US" dirty="0" smtClean="0"/>
+              <a:t>Configuration files</a:t>
+            </a:r>
+          </a:p>
+          <a:p>
+            <a:pPr lvl="1"/>
             <a:r>
               <a:rPr lang="en-US" dirty="0" err="1" smtClean="0"/>
-              <a:t>Auth</a:t>
-            </a:r>
-            <a:r>
-              <a:rPr lang="en-US" dirty="0" smtClean="0"/>
-              <a:t> Security Layer</a:t>
-            </a:r>
-          </a:p>
-          <a:p>
-            <a:r>
-              <a:rPr lang="en-US" dirty="0" smtClean="0"/>
-              <a:t>Mail forwarding or delivery</a:t>
-            </a:r>
-          </a:p>
-          <a:p>
-            <a:r>
-              <a:rPr lang="en-US" dirty="0"/>
-              <a:t>"Virtual" domains with distinct address-</a:t>
-            </a:r>
-            <a:r>
-              <a:rPr lang="en-US" dirty="0" smtClean="0"/>
-              <a:t>namespaces</a:t>
-            </a:r>
-          </a:p>
-          <a:p>
-            <a:r>
-              <a:rPr lang="en-US" dirty="0"/>
-              <a:t>A large number of database lookup mechanisms including </a:t>
-            </a:r>
-            <a:r>
-              <a:rPr lang="en-US" dirty="0">
-                <a:hlinkClick r:id="rId2" tooltip="Berkeley DB"/>
-              </a:rPr>
-              <a:t>Berkeley DB</a:t>
-            </a:r>
-            <a:r>
-              <a:rPr lang="en-US" dirty="0"/>
-              <a:t>, </a:t>
-            </a:r>
-            <a:r>
-              <a:rPr lang="en-US" dirty="0">
-                <a:hlinkClick r:id="rId3" tooltip="Cdb (software)"/>
-              </a:rPr>
-              <a:t>CDB</a:t>
-            </a:r>
-            <a:r>
-              <a:rPr lang="en-US" dirty="0"/>
-              <a:t>, </a:t>
-            </a:r>
-            <a:r>
-              <a:rPr lang="en-US" dirty="0">
-                <a:hlinkClick r:id="rId4" tooltip="OpenLDAP"/>
-              </a:rPr>
-              <a:t>OpenLDAP LMDB</a:t>
-            </a:r>
-            <a:r>
-              <a:rPr lang="en-US" dirty="0"/>
-              <a:t>, </a:t>
-            </a:r>
-            <a:r>
-              <a:rPr lang="en-US" dirty="0">
-                <a:hlinkClick r:id="rId5" tooltip="Memcached"/>
-              </a:rPr>
-              <a:t>Memcached</a:t>
-            </a:r>
-            <a:r>
-              <a:rPr lang="en-US" dirty="0"/>
-              <a:t>, </a:t>
-            </a:r>
-            <a:r>
-              <a:rPr lang="en-US" dirty="0">
-                <a:hlinkClick r:id="rId6" tooltip="Lightweight Directory Access Protocol"/>
-              </a:rPr>
-              <a:t>LDAP</a:t>
-            </a:r>
-            <a:r>
-              <a:rPr lang="en-US" dirty="0"/>
-              <a:t> and multiple </a:t>
-            </a:r>
-            <a:r>
-              <a:rPr lang="en-US" dirty="0">
-                <a:hlinkClick r:id="rId7" tooltip="SQL"/>
-              </a:rPr>
-              <a:t>SQL</a:t>
-            </a:r>
-            <a:r>
-              <a:rPr lang="en-US" dirty="0"/>
-              <a:t> database </a:t>
-            </a:r>
-            <a:r>
-              <a:rPr lang="en-US" dirty="0" smtClean="0"/>
-              <a:t>implementations</a:t>
-            </a:r>
-          </a:p>
-          <a:p>
-            <a:r>
-              <a:rPr lang="en-US" dirty="0" smtClean="0"/>
-              <a:t>Extended </a:t>
-            </a:r>
-            <a:endParaRPr lang="en-US" dirty="0"/>
+              <a:t>main.cf</a:t>
+            </a:r>
+            <a:r>
+              <a:rPr lang="en-US" dirty="0" smtClean="0"/>
+              <a:t> - stores site specific Postfix configuration parameters while</a:t>
+            </a:r>
           </a:p>
           <a:p>
             <a:pPr lvl="1"/>
             <a:r>
-              <a:rPr lang="en-US" dirty="0">
-                <a:hlinkClick r:id="rId8" tooltip="Deep content inspection"/>
-              </a:rPr>
-              <a:t>Deep content inspection</a:t>
-            </a:r>
-            <a:r>
-              <a:rPr lang="en-US" dirty="0"/>
-              <a:t> before or after a message is accepted into the mail queue;</a:t>
-            </a:r>
-          </a:p>
-          <a:p>
-            <a:pPr lvl="1"/>
-            <a:r>
-              <a:rPr lang="en-US" dirty="0"/>
-              <a:t>Mail authentication with </a:t>
-            </a:r>
-            <a:r>
-              <a:rPr lang="en-US" dirty="0">
-                <a:hlinkClick r:id="rId9" tooltip="DomainKeys Identified Mail"/>
-              </a:rPr>
-              <a:t>DKIM</a:t>
-            </a:r>
-            <a:r>
-              <a:rPr lang="en-US" dirty="0"/>
-              <a:t>, </a:t>
-            </a:r>
-            <a:r>
-              <a:rPr lang="en-US" dirty="0">
-                <a:hlinkClick r:id="rId10" tooltip="Sender Policy Framework"/>
-              </a:rPr>
-              <a:t>SPF</a:t>
-            </a:r>
-            <a:r>
-              <a:rPr lang="en-US" dirty="0"/>
-              <a:t>, or other protocols;</a:t>
-            </a:r>
-          </a:p>
-          <a:p>
-            <a:pPr lvl="1"/>
-            <a:r>
-              <a:rPr lang="en-US" dirty="0">
-                <a:hlinkClick r:id="rId11" tooltip="Simple Mail Transfer Protocol"/>
-              </a:rPr>
-              <a:t>SMTP</a:t>
-            </a:r>
-            <a:r>
-              <a:rPr lang="en-US" dirty="0"/>
-              <a:t>-level access policies such as </a:t>
-            </a:r>
-            <a:r>
-              <a:rPr lang="en-US" dirty="0">
-                <a:hlinkClick r:id="rId12" tooltip="Greylisting"/>
-              </a:rPr>
-              <a:t>greylisting</a:t>
-            </a:r>
-            <a:r>
-              <a:rPr lang="en-US" dirty="0"/>
-              <a:t> or rate control.</a:t>
-            </a:r>
-          </a:p>
-          <a:p>
-            <a:pPr lvl="1"/>
-            <a:endParaRPr lang="en-US" dirty="0" smtClean="0"/>
-          </a:p>
-          <a:p>
-            <a:endParaRPr lang="en-US" dirty="0" smtClean="0"/>
-          </a:p>
-          <a:p>
+              <a:rPr lang="en-US" dirty="0" err="1" smtClean="0"/>
+              <a:t>master.cf</a:t>
+            </a:r>
+            <a:r>
+              <a:rPr lang="en-US" dirty="0" smtClean="0"/>
+              <a:t> – defines daemon processes</a:t>
+            </a:r>
             <a:endParaRPr lang="en-US" dirty="0"/>
           </a:p>
         </p:txBody>
@@ -5377,7 +5290,7 @@
     </p:spTree>
     <p:extLst>
       <p:ext uri="{BB962C8B-B14F-4D97-AF65-F5344CB8AC3E}">
-        <p14:creationId xmlns:p14="http://schemas.microsoft.com/office/powerpoint/2010/main" val="1471738944"/>
+        <p14:creationId xmlns:p14="http://schemas.microsoft.com/office/powerpoint/2010/main" val="799785662"/>
       </p:ext>
     </p:extLst>
   </p:cSld>
@@ -5427,12 +5340,12 @@
           <a:lstStyle/>
           <a:p>
             <a:r>
-              <a:rPr lang="en-US" b="1" dirty="0" smtClean="0"/>
-              <a:t>Postfix on </a:t>
+              <a:rPr lang="en-US" b="1" dirty="0" err="1"/>
+              <a:t>m</a:t>
             </a:r>
             <a:r>
               <a:rPr lang="en-US" b="1" dirty="0" err="1" smtClean="0"/>
-              <a:t>Debian</a:t>
+              <a:t>aster.cf</a:t>
             </a:r>
             <a:endParaRPr lang="en-US" b="1" dirty="0"/>
           </a:p>
@@ -5450,82 +5363,63 @@
         </p:nvSpPr>
         <p:spPr/>
         <p:txBody>
-          <a:bodyPr/>
-          <a:lstStyle/>
-          <a:p>
-            <a:r>
-              <a:rPr lang="en-US" dirty="0" smtClean="0"/>
-              <a:t>Installed via: </a:t>
-            </a:r>
-            <a:r>
-              <a:rPr lang="en-US" b="1" dirty="0" smtClean="0"/>
-              <a:t>$</a:t>
-            </a:r>
-            <a:r>
-              <a:rPr lang="en-US" b="1" dirty="0" err="1" smtClean="0"/>
-              <a:t>sudo</a:t>
-            </a:r>
-            <a:r>
-              <a:rPr lang="en-US" b="1" dirty="0" smtClean="0"/>
-              <a:t> apt-get install postfix</a:t>
-            </a:r>
-          </a:p>
-          <a:p>
-            <a:r>
-              <a:rPr lang="en-US" dirty="0" smtClean="0"/>
-              <a:t>Directories:</a:t>
-            </a:r>
-            <a:br>
-              <a:rPr lang="en-US" dirty="0" smtClean="0"/>
-            </a:br>
-            <a:r>
-              <a:rPr lang="en-US" b="1" dirty="0" smtClean="0"/>
-              <a:t>/</a:t>
-            </a:r>
-            <a:r>
-              <a:rPr lang="en-US" b="1" dirty="0" err="1" smtClean="0"/>
-              <a:t>etc</a:t>
-            </a:r>
-            <a:r>
-              <a:rPr lang="en-US" b="1" dirty="0" smtClean="0"/>
-              <a:t>/postfix</a:t>
-            </a:r>
-          </a:p>
-          <a:p>
-            <a:r>
-              <a:rPr lang="en-US" dirty="0" smtClean="0"/>
-              <a:t>Configuration files</a:t>
-            </a:r>
-          </a:p>
-          <a:p>
-            <a:pPr lvl="1"/>
-            <a:r>
-              <a:rPr lang="en-US" dirty="0" err="1" smtClean="0"/>
-              <a:t>main.cf</a:t>
-            </a:r>
-            <a:r>
-              <a:rPr lang="en-US" dirty="0" smtClean="0"/>
-              <a:t> - stores site specific Postfix configuration parameters while</a:t>
-            </a:r>
-          </a:p>
-          <a:p>
-            <a:pPr lvl="1"/>
-            <a:r>
-              <a:rPr lang="en-US" dirty="0" err="1" smtClean="0"/>
+          <a:bodyPr>
+            <a:normAutofit/>
+          </a:bodyPr>
+          <a:lstStyle/>
+          <a:p>
+            <a:r>
+              <a:rPr lang="en-US" dirty="0"/>
+              <a:t>defines how a client program connects to a service, </a:t>
+            </a:r>
+            <a:r>
+              <a:rPr lang="en-US" dirty="0" smtClean="0"/>
+              <a:t>and what </a:t>
+            </a:r>
+            <a:r>
+              <a:rPr lang="en-US" dirty="0"/>
+              <a:t>daemon program runs </a:t>
+            </a:r>
+            <a:r>
+              <a:rPr lang="en-US" dirty="0" smtClean="0"/>
+              <a:t>when a </a:t>
+            </a:r>
+            <a:r>
+              <a:rPr lang="en-US" dirty="0"/>
+              <a:t>service is requested.  </a:t>
+            </a:r>
+            <a:endParaRPr lang="en-US" dirty="0" smtClean="0"/>
+          </a:p>
+          <a:p>
+            <a:r>
+              <a:rPr lang="en-US" dirty="0"/>
+              <a:t>The Postfix master daemon launches all of the other Postfix services as they are needed. The various services, and how they are run, are specified in the </a:t>
+            </a:r>
+            <a:r>
+              <a:rPr lang="en-US" dirty="0" err="1"/>
               <a:t>master.cf</a:t>
             </a:r>
             <a:r>
-              <a:rPr lang="en-US" dirty="0" smtClean="0"/>
-              <a:t> – defines daemon processes</a:t>
-            </a:r>
-            <a:endParaRPr lang="en-US" dirty="0"/>
+              <a:rPr lang="en-US" dirty="0"/>
+              <a:t> file</a:t>
+            </a:r>
+            <a:r>
+              <a:rPr lang="en-US" dirty="0" smtClean="0"/>
+              <a:t>.</a:t>
+            </a:r>
+          </a:p>
+          <a:p>
+            <a:r>
+              <a:rPr lang="en-US" dirty="0" smtClean="0"/>
+              <a:t>The SMTP service is defined in this file as well as third party apps like an SPF program or a DKIM Program</a:t>
+            </a:r>
           </a:p>
         </p:txBody>
       </p:sp>
     </p:spTree>
     <p:extLst>
       <p:ext uri="{BB962C8B-B14F-4D97-AF65-F5344CB8AC3E}">
-        <p14:creationId xmlns:p14="http://schemas.microsoft.com/office/powerpoint/2010/main" val="799785662"/>
+        <p14:creationId xmlns:p14="http://schemas.microsoft.com/office/powerpoint/2010/main" val="897474661"/>
       </p:ext>
     </p:extLst>
   </p:cSld>
@@ -5575,12 +5469,8 @@
           <a:lstStyle/>
           <a:p>
             <a:r>
-              <a:rPr lang="en-US" b="1" dirty="0" err="1"/>
-              <a:t>m</a:t>
-            </a:r>
-            <a:r>
               <a:rPr lang="en-US" b="1" dirty="0" err="1" smtClean="0"/>
-              <a:t>aster.cf</a:t>
+              <a:t>main.cf</a:t>
             </a:r>
             <a:endParaRPr lang="en-US" b="1" dirty="0"/>
           </a:p>
@@ -5604,57 +5494,62 @@
           <a:lstStyle/>
           <a:p>
             <a:r>
-              <a:rPr lang="en-US" dirty="0"/>
-              <a:t>defines how a client program connects to a service, </a:t>
-            </a:r>
-            <a:r>
-              <a:rPr lang="en-US" dirty="0" smtClean="0"/>
-              <a:t>and what </a:t>
-            </a:r>
-            <a:r>
-              <a:rPr lang="en-US" dirty="0"/>
-              <a:t>daemon program runs </a:t>
-            </a:r>
-            <a:r>
-              <a:rPr lang="en-US" dirty="0" smtClean="0"/>
-              <a:t>when a </a:t>
-            </a:r>
-            <a:r>
-              <a:rPr lang="en-US" dirty="0"/>
-              <a:t>service is requested.  </a:t>
-            </a:r>
+              <a:rPr lang="en-US" dirty="0" smtClean="0"/>
+              <a:t>specifies a very small subset of all the parameters that control the operation of the Postfix mail system</a:t>
+            </a:r>
+          </a:p>
+          <a:p>
+            <a:r>
+              <a:rPr lang="en-US" dirty="0" smtClean="0"/>
+              <a:t>you will have to set up a minimal number of configuration parameters. </a:t>
+            </a:r>
+          </a:p>
+          <a:p>
+            <a:r>
+              <a:rPr lang="en-US" dirty="0" smtClean="0"/>
+              <a:t>Postfix configuration parameters resemble shell variables</a:t>
+            </a:r>
+          </a:p>
+          <a:p>
+            <a:pPr lvl="1"/>
+            <a:r>
+              <a:rPr lang="en-US" dirty="0" smtClean="0"/>
+              <a:t>parameter = value</a:t>
+            </a:r>
+          </a:p>
+          <a:p>
+            <a:pPr lvl="1"/>
+            <a:r>
+              <a:rPr lang="en-US" dirty="0" err="1" smtClean="0"/>
+              <a:t>other_parameter</a:t>
+            </a:r>
+            <a:r>
+              <a:rPr lang="en-US" dirty="0" smtClean="0"/>
+              <a:t> = $parameter</a:t>
+            </a:r>
+          </a:p>
+          <a:p>
+            <a:r>
+              <a:rPr lang="en-US" dirty="0" smtClean="0"/>
+              <a:t>Postfix uses database files for access control, address rewriting and other purposes </a:t>
+            </a:r>
+          </a:p>
+          <a:p>
+            <a:pPr lvl="1"/>
             <a:endParaRPr lang="en-US" dirty="0" smtClean="0"/>
           </a:p>
           <a:p>
-            <a:r>
-              <a:rPr lang="en-US" dirty="0"/>
-              <a:t>The Postfix master daemon launches all of the other Postfix services as they are needed. The various services, and how they are run, are specified in the </a:t>
-            </a:r>
-            <a:r>
-              <a:rPr lang="en-US" dirty="0" err="1"/>
-              <a:t>master.cf</a:t>
-            </a:r>
-            <a:r>
-              <a:rPr lang="en-US" dirty="0"/>
-              <a:t> file</a:t>
-            </a:r>
-            <a:r>
-              <a:rPr lang="en-US" dirty="0" smtClean="0"/>
-              <a:t>.</a:t>
-            </a:r>
-          </a:p>
-          <a:p>
-            <a:r>
-              <a:rPr lang="en-US" dirty="0" smtClean="0"/>
-              <a:t>The SMTP service is defined in this file as well as third party apps like an SPF program or a DKIM Program</a:t>
-            </a:r>
+            <a:endParaRPr lang="en-US" dirty="0" smtClean="0"/>
+          </a:p>
+          <a:p>
+            <a:endParaRPr lang="en-US" dirty="0"/>
           </a:p>
         </p:txBody>
       </p:sp>
     </p:spTree>
     <p:extLst>
       <p:ext uri="{BB962C8B-B14F-4D97-AF65-F5344CB8AC3E}">
-        <p14:creationId xmlns:p14="http://schemas.microsoft.com/office/powerpoint/2010/main" val="897474661"/>
+        <p14:creationId xmlns:p14="http://schemas.microsoft.com/office/powerpoint/2010/main" val="2078974546"/>
       </p:ext>
     </p:extLst>
   </p:cSld>
@@ -5698,14 +5593,27 @@
             <p:ph type="title"/>
           </p:nvPr>
         </p:nvSpPr>
-        <p:spPr/>
-        <p:txBody>
-          <a:bodyPr/>
-          <a:lstStyle/>
-          <a:p>
+        <p:spPr>
+          <a:xfrm>
+            <a:off x="1806198" y="-84367"/>
+            <a:ext cx="8229600" cy="1143000"/>
+          </a:xfrm>
+        </p:spPr>
+        <p:txBody>
+          <a:bodyPr/>
+          <a:lstStyle/>
+          <a:p>
+            <a:r>
+              <a:rPr lang="en-US" b="1" dirty="0" err="1"/>
+              <a:t>m</a:t>
+            </a:r>
             <a:r>
               <a:rPr lang="en-US" b="1" dirty="0" err="1" smtClean="0"/>
-              <a:t>main.cf</a:t>
+              <a:t>ain.cf</a:t>
+            </a:r>
+            <a:r>
+              <a:rPr lang="en-US" b="1" dirty="0" smtClean="0"/>
+              <a:t> Key Settings</a:t>
             </a:r>
             <a:endParaRPr lang="en-US" b="1" dirty="0"/>
           </a:p>
@@ -5721,62 +5629,136 @@
             <p:ph idx="1"/>
           </p:nvPr>
         </p:nvSpPr>
-        <p:spPr/>
+        <p:spPr>
+          <a:xfrm>
+            <a:off x="1806198" y="1003515"/>
+            <a:ext cx="8404602" cy="5122649"/>
+          </a:xfrm>
+        </p:spPr>
         <p:txBody>
           <a:bodyPr>
-            <a:normAutofit fontScale="92500" lnSpcReduction="20000"/>
+            <a:normAutofit/>
           </a:bodyPr>
           <a:lstStyle/>
           <a:p>
             <a:r>
-              <a:rPr lang="en-US" dirty="0" smtClean="0"/>
-              <a:t>specifies a very small subset of all the parameters that control the operation of the Postfix mail system</a:t>
-            </a:r>
-          </a:p>
-          <a:p>
-            <a:r>
-              <a:rPr lang="en-US" dirty="0" smtClean="0"/>
-              <a:t>you will have to set up a minimal number of configuration parameters. </a:t>
-            </a:r>
-          </a:p>
-          <a:p>
-            <a:r>
-              <a:rPr lang="en-US" dirty="0" smtClean="0"/>
-              <a:t>Postfix configuration parameters resemble shell variables</a:t>
+              <a:rPr lang="en-US" dirty="0" smtClean="0">
+                <a:hlinkClick r:id="rId2"/>
+              </a:rPr>
+              <a:t>myorigin</a:t>
+            </a:r>
+            <a:r>
+              <a:rPr lang="en-US" dirty="0" smtClean="0"/>
+              <a:t> = $</a:t>
+            </a:r>
+            <a:r>
+              <a:rPr lang="en-US" dirty="0" smtClean="0">
+                <a:hlinkClick r:id="rId3"/>
+              </a:rPr>
+              <a:t>myhostname</a:t>
+            </a:r>
+            <a:r>
+              <a:rPr lang="en-US" dirty="0" smtClean="0"/>
+              <a:t> </a:t>
             </a:r>
           </a:p>
           <a:p>
             <a:pPr lvl="1"/>
             <a:r>
               <a:rPr lang="en-US" dirty="0" smtClean="0"/>
-              <a:t>parameter = value</a:t>
-            </a:r>
+              <a:t>specifies the domain that appears in mail that is posted on this machine. Defaults to the value of the machine’s hostname</a:t>
+            </a:r>
+          </a:p>
+          <a:p>
+            <a:r>
+              <a:rPr lang="en-US" dirty="0" smtClean="0">
+                <a:hlinkClick r:id="rId4"/>
+              </a:rPr>
+              <a:t>mydestination</a:t>
+            </a:r>
+            <a:r>
+              <a:rPr lang="en-US" dirty="0" smtClean="0"/>
+              <a:t> = $</a:t>
+            </a:r>
+            <a:r>
+              <a:rPr lang="en-US" dirty="0" smtClean="0">
+                <a:hlinkClick r:id="rId3"/>
+              </a:rPr>
+              <a:t>myhostname</a:t>
+            </a:r>
+            <a:r>
+              <a:rPr lang="en-US" dirty="0" smtClean="0"/>
+              <a:t>, </a:t>
+            </a:r>
+            <a:r>
+              <a:rPr lang="en-US" dirty="0" err="1" smtClean="0"/>
+              <a:t>localhost</a:t>
+            </a:r>
+            <a:endParaRPr lang="en-US" dirty="0" smtClean="0"/>
           </a:p>
           <a:p>
             <a:pPr lvl="1"/>
             <a:r>
-              <a:rPr lang="en-US" dirty="0" err="1" smtClean="0"/>
-              <a:t>other_parameter</a:t>
-            </a:r>
-            <a:r>
-              <a:rPr lang="en-US" dirty="0" smtClean="0"/>
-              <a:t> = $parameter</a:t>
-            </a:r>
-          </a:p>
-          <a:p>
-            <a:r>
-              <a:rPr lang="en-US" dirty="0" smtClean="0"/>
-              <a:t>Postfix uses database files for access control, address rewriting and other purposes </a:t>
+              <a:rPr lang="en-US" dirty="0" smtClean="0"/>
+              <a:t>specifies what domains this machine will deliver locally</a:t>
             </a:r>
           </a:p>
           <a:p>
             <a:pPr lvl="1"/>
-            <a:endParaRPr lang="en-US" dirty="0" smtClean="0"/>
-          </a:p>
-          <a:p>
-            <a:endParaRPr lang="en-US" dirty="0" smtClean="0"/>
-          </a:p>
-          <a:p>
+            <a:r>
+              <a:rPr lang="en-US" dirty="0"/>
+              <a:t>i</a:t>
+            </a:r>
+            <a:r>
+              <a:rPr lang="en-US" dirty="0" smtClean="0"/>
+              <a:t>f your machine is a mail server for its entire domain, you must list $</a:t>
+            </a:r>
+            <a:r>
+              <a:rPr lang="en-US" dirty="0" smtClean="0">
+                <a:hlinkClick r:id="rId5"/>
+              </a:rPr>
+              <a:t>mydomain</a:t>
+            </a:r>
+            <a:r>
+              <a:rPr lang="en-US" dirty="0" smtClean="0"/>
+              <a:t> as well in this setting</a:t>
+            </a:r>
+          </a:p>
+          <a:p>
+            <a:r>
+              <a:rPr lang="en-US" dirty="0" smtClean="0"/>
+              <a:t>The </a:t>
+            </a:r>
+            <a:r>
+              <a:rPr lang="en-US" dirty="0" smtClean="0">
+                <a:hlinkClick r:id="rId5"/>
+              </a:rPr>
+              <a:t>mydomain</a:t>
+            </a:r>
+            <a:r>
+              <a:rPr lang="en-US" dirty="0" smtClean="0"/>
+              <a:t> parameter specifies the parent domain of $</a:t>
+            </a:r>
+            <a:r>
+              <a:rPr lang="en-US" dirty="0" smtClean="0">
+                <a:hlinkClick r:id="rId3"/>
+              </a:rPr>
+              <a:t>myhostname</a:t>
+            </a:r>
+            <a:r>
+              <a:rPr lang="en-US" dirty="0" smtClean="0"/>
+              <a:t>. By default, it is derived from $</a:t>
+            </a:r>
+            <a:r>
+              <a:rPr lang="en-US" dirty="0" smtClean="0">
+                <a:hlinkClick r:id="rId3"/>
+              </a:rPr>
+              <a:t>myhostname</a:t>
+            </a:r>
+            <a:r>
+              <a:rPr lang="en-US" dirty="0" smtClean="0"/>
+              <a:t> by stripping off the first part (unless if the result would be a top-level domain)</a:t>
+            </a:r>
             <a:endParaRPr lang="en-US" dirty="0"/>
           </a:p>
         </p:txBody>
@@ -5784,7 +5766,7 @@
     </p:spTree>
     <p:extLst>
       <p:ext uri="{BB962C8B-B14F-4D97-AF65-F5344CB8AC3E}">
-        <p14:creationId xmlns:p14="http://schemas.microsoft.com/office/powerpoint/2010/main" val="2078974546"/>
+        <p14:creationId xmlns:p14="http://schemas.microsoft.com/office/powerpoint/2010/main" val="1766257932"/>
       </p:ext>
     </p:extLst>
   </p:cSld>
@@ -5828,27 +5810,14 @@
             <p:ph type="title"/>
           </p:nvPr>
         </p:nvSpPr>
-        <p:spPr>
-          <a:xfrm>
-            <a:off x="1806198" y="-84367"/>
-            <a:ext cx="8229600" cy="1143000"/>
-          </a:xfrm>
-        </p:spPr>
-        <p:txBody>
-          <a:bodyPr/>
-          <a:lstStyle/>
-          <a:p>
-            <a:r>
-              <a:rPr lang="en-US" b="1" dirty="0" err="1"/>
-              <a:t>m</a:t>
-            </a:r>
-            <a:r>
-              <a:rPr lang="en-US" b="1" dirty="0" err="1" smtClean="0"/>
-              <a:t>ain.cf</a:t>
-            </a:r>
+        <p:spPr/>
+        <p:txBody>
+          <a:bodyPr/>
+          <a:lstStyle/>
+          <a:p>
             <a:r>
               <a:rPr lang="en-US" b="1" dirty="0" smtClean="0"/>
-              <a:t> Key Settings</a:t>
+              <a:t>Relaying Mail – From</a:t>
             </a:r>
             <a:endParaRPr lang="en-US" b="1" dirty="0"/>
           </a:p>
@@ -5864,136 +5833,96 @@
             <p:ph idx="1"/>
           </p:nvPr>
         </p:nvSpPr>
-        <p:spPr>
-          <a:xfrm>
-            <a:off x="1806198" y="1003515"/>
-            <a:ext cx="8404602" cy="5122649"/>
-          </a:xfrm>
-        </p:spPr>
+        <p:spPr/>
         <p:txBody>
           <a:bodyPr>
-            <a:normAutofit/>
+            <a:normAutofit fontScale="85000" lnSpcReduction="10000"/>
           </a:bodyPr>
           <a:lstStyle/>
           <a:p>
+            <a:r>
+              <a:rPr lang="en-US" dirty="0" smtClean="0"/>
+              <a:t>Postfix will forward mail from clients in authorized network blocks to any destination</a:t>
+            </a:r>
+          </a:p>
+          <a:p>
+            <a:r>
+              <a:rPr lang="en-US" dirty="0" smtClean="0"/>
+              <a:t>Authorized networks are defined with the </a:t>
+            </a:r>
             <a:r>
               <a:rPr lang="en-US" dirty="0" smtClean="0">
                 <a:hlinkClick r:id="rId2"/>
               </a:rPr>
-              <a:t>myorigin</a:t>
-            </a:r>
-            <a:r>
-              <a:rPr lang="en-US" dirty="0" smtClean="0"/>
-              <a:t> = $</a:t>
-            </a:r>
+              <a:t>mynetworks</a:t>
+            </a:r>
+            <a:r>
+              <a:rPr lang="en-US" dirty="0" smtClean="0"/>
+              <a:t> configuration parameter</a:t>
+            </a:r>
+          </a:p>
+          <a:p>
+            <a:r>
+              <a:rPr lang="en-US" dirty="0" smtClean="0"/>
+              <a:t>The default is to authorize all clients in the IP </a:t>
+            </a:r>
+            <a:r>
+              <a:rPr lang="en-US" dirty="0" err="1" smtClean="0"/>
+              <a:t>subnetworks</a:t>
+            </a:r>
+            <a:r>
+              <a:rPr lang="en-US" dirty="0" smtClean="0"/>
+              <a:t> that the local machine is attached to.</a:t>
+            </a:r>
+          </a:p>
+          <a:p>
+            <a:r>
+              <a:rPr lang="en-US" dirty="0" smtClean="0"/>
+              <a:t>By default, Postfix will NOT be an open relay </a:t>
+            </a:r>
+            <a:r>
+              <a:rPr lang="en-US" dirty="0" err="1" smtClean="0"/>
+              <a:t>ie</a:t>
+            </a:r>
+            <a:r>
+              <a:rPr lang="en-US" dirty="0" smtClean="0"/>
+              <a:t> it will not forward from IPs outside your network to the Internet</a:t>
+            </a:r>
+          </a:p>
+          <a:p>
+            <a:pPr lvl="1"/>
             <a:r>
               <a:rPr lang="en-US" dirty="0" smtClean="0">
                 <a:hlinkClick r:id="rId3"/>
               </a:rPr>
-              <a:t>myhostname</a:t>
-            </a:r>
-            <a:r>
-              <a:rPr lang="en-US" dirty="0" smtClean="0"/>
-              <a:t> </a:t>
+              <a:t>mynetworks_style</a:t>
+            </a:r>
+            <a:r>
+              <a:rPr lang="en-US" dirty="0" smtClean="0"/>
+              <a:t> = subnet </a:t>
             </a:r>
           </a:p>
           <a:p>
             <a:pPr lvl="1"/>
             <a:r>
-              <a:rPr lang="en-US" dirty="0" smtClean="0"/>
-              <a:t>specifies the domain that appears in mail that is posted on this machine. Defaults to the value of the machine’s hostname</a:t>
-            </a:r>
-          </a:p>
-          <a:p>
-            <a:r>
               <a:rPr lang="en-US" dirty="0" smtClean="0">
-                <a:hlinkClick r:id="rId4"/>
+                <a:hlinkClick r:id="rId2"/>
               </a:rPr>
-              <a:t>mydestination</a:t>
-            </a:r>
-            <a:r>
-              <a:rPr lang="en-US" dirty="0" smtClean="0"/>
-              <a:t> = $</a:t>
-            </a:r>
-            <a:r>
-              <a:rPr lang="en-US" dirty="0" smtClean="0">
-                <a:hlinkClick r:id="rId3"/>
-              </a:rPr>
-              <a:t>myhostname</a:t>
-            </a:r>
-            <a:r>
-              <a:rPr lang="en-US" dirty="0" smtClean="0"/>
-              <a:t>, </a:t>
-            </a:r>
-            <a:r>
-              <a:rPr lang="en-US" dirty="0" err="1" smtClean="0"/>
-              <a:t>localhost</a:t>
-            </a:r>
+              <a:t>mynetworks</a:t>
+            </a:r>
+            <a:r>
+              <a:rPr lang="en-US" dirty="0" smtClean="0"/>
+              <a:t> = 127.0.0.0/8 168.100.189.2/32</a:t>
+            </a:r>
+          </a:p>
+          <a:p>
+            <a:pPr lvl="1"/>
             <a:endParaRPr lang="en-US" dirty="0" smtClean="0"/>
           </a:p>
           <a:p>
-            <a:pPr lvl="1"/>
-            <a:r>
-              <a:rPr lang="en-US" dirty="0" smtClean="0"/>
-              <a:t>specifies what domains this machine will deliver locally</a:t>
-            </a:r>
-          </a:p>
-          <a:p>
-            <a:pPr lvl="1"/>
-            <a:r>
-              <a:rPr lang="en-US" dirty="0"/>
-              <a:t>i</a:t>
-            </a:r>
-            <a:r>
-              <a:rPr lang="en-US" dirty="0" smtClean="0"/>
-              <a:t>f your machine is a mail server for its entire domain, you must list $</a:t>
-            </a:r>
-            <a:r>
-              <a:rPr lang="en-US" dirty="0" smtClean="0">
-                <a:hlinkClick r:id="rId5"/>
-              </a:rPr>
-              <a:t>mydomain</a:t>
-            </a:r>
-            <a:r>
-              <a:rPr lang="en-US" dirty="0" smtClean="0"/>
-              <a:t> as well in this setting</a:t>
-            </a:r>
-          </a:p>
-          <a:p>
-            <a:r>
-              <a:rPr lang="en-US" dirty="0" smtClean="0"/>
-              <a:t>The </a:t>
-            </a:r>
-            <a:r>
-              <a:rPr lang="en-US" dirty="0" smtClean="0">
-                <a:hlinkClick r:id="rId5"/>
-              </a:rPr>
-              <a:t>mydomain</a:t>
-            </a:r>
-            <a:r>
-              <a:rPr lang="en-US" dirty="0" smtClean="0"/>
-              <a:t> parameter specifies the parent domain of $</a:t>
-            </a:r>
-            <a:r>
-              <a:rPr lang="en-US" dirty="0" smtClean="0">
-                <a:hlinkClick r:id="rId3"/>
-              </a:rPr>
-              <a:t>myhostname</a:t>
-            </a:r>
-            <a:r>
-              <a:rPr lang="en-US" dirty="0" smtClean="0"/>
-              <a:t>. By default, it is derived from $</a:t>
-            </a:r>
-            <a:r>
-              <a:rPr lang="en-US" dirty="0" smtClean="0">
-                <a:hlinkClick r:id="rId3"/>
-              </a:rPr>
-              <a:t>myhostname</a:t>
-            </a:r>
-            <a:r>
-              <a:rPr lang="en-US" dirty="0" smtClean="0"/>
-              <a:t> by stripping off the first part (unless if the result would be a top-level domain)</a:t>
-            </a:r>
+            <a:endParaRPr lang="en-US" dirty="0" smtClean="0"/>
+          </a:p>
+          <a:p>
             <a:endParaRPr lang="en-US" dirty="0"/>
           </a:p>
         </p:txBody>
@@ -6001,7 +5930,7 @@
     </p:spTree>
     <p:extLst>
       <p:ext uri="{BB962C8B-B14F-4D97-AF65-F5344CB8AC3E}">
-        <p14:creationId xmlns:p14="http://schemas.microsoft.com/office/powerpoint/2010/main" val="1766257932"/>
+        <p14:creationId xmlns:p14="http://schemas.microsoft.com/office/powerpoint/2010/main" val="830610643"/>
       </p:ext>
     </p:extLst>
   </p:cSld>
